--- a/devoir2/WenhaoXU_20150702_ManpingLI_968527/GQM plan.pptx
+++ b/devoir2/WenhaoXU_20150702_ManpingLI_968527/GQM plan.pptx
@@ -104,6 +104,11 @@
       </a:defRPr>
     </a:lvl9pPr>
   </p:defaultTextStyle>
+  <p:extLst>
+    <p:ext uri="{EFAFB233-063F-42B5-8137-9DF3F51BA10A}">
+      <p15:sldGuideLst xmlns:p15="http://schemas.microsoft.com/office/powerpoint/2012/main"/>
+    </p:ext>
+  </p:extLst>
 </p:presentation>
 </file>
 
@@ -262,7 +267,7 @@
           <a:p>
             <a:fld id="{6D0E7609-1A7C-1E43-81AD-3B15F6EC7206}" type="datetimeFigureOut">
               <a:rPr lang="en-US" smtClean="0"/>
-              <a:t>10/19/22</a:t>
+              <a:t>10/20/22</a:t>
             </a:fld>
             <a:endParaRPr lang="en-US"/>
           </a:p>
@@ -460,7 +465,7 @@
           <a:p>
             <a:fld id="{6D0E7609-1A7C-1E43-81AD-3B15F6EC7206}" type="datetimeFigureOut">
               <a:rPr lang="en-US" smtClean="0"/>
-              <a:t>10/19/22</a:t>
+              <a:t>10/20/22</a:t>
             </a:fld>
             <a:endParaRPr lang="en-US"/>
           </a:p>
@@ -668,7 +673,7 @@
           <a:p>
             <a:fld id="{6D0E7609-1A7C-1E43-81AD-3B15F6EC7206}" type="datetimeFigureOut">
               <a:rPr lang="en-US" smtClean="0"/>
-              <a:t>10/19/22</a:t>
+              <a:t>10/20/22</a:t>
             </a:fld>
             <a:endParaRPr lang="en-US"/>
           </a:p>
@@ -866,7 +871,7 @@
           <a:p>
             <a:fld id="{6D0E7609-1A7C-1E43-81AD-3B15F6EC7206}" type="datetimeFigureOut">
               <a:rPr lang="en-US" smtClean="0"/>
-              <a:t>10/19/22</a:t>
+              <a:t>10/20/22</a:t>
             </a:fld>
             <a:endParaRPr lang="en-US"/>
           </a:p>
@@ -1141,7 +1146,7 @@
           <a:p>
             <a:fld id="{6D0E7609-1A7C-1E43-81AD-3B15F6EC7206}" type="datetimeFigureOut">
               <a:rPr lang="en-US" smtClean="0"/>
-              <a:t>10/19/22</a:t>
+              <a:t>10/20/22</a:t>
             </a:fld>
             <a:endParaRPr lang="en-US"/>
           </a:p>
@@ -1406,7 +1411,7 @@
           <a:p>
             <a:fld id="{6D0E7609-1A7C-1E43-81AD-3B15F6EC7206}" type="datetimeFigureOut">
               <a:rPr lang="en-US" smtClean="0"/>
-              <a:t>10/19/22</a:t>
+              <a:t>10/20/22</a:t>
             </a:fld>
             <a:endParaRPr lang="en-US"/>
           </a:p>
@@ -1818,7 +1823,7 @@
           <a:p>
             <a:fld id="{6D0E7609-1A7C-1E43-81AD-3B15F6EC7206}" type="datetimeFigureOut">
               <a:rPr lang="en-US" smtClean="0"/>
-              <a:t>10/19/22</a:t>
+              <a:t>10/20/22</a:t>
             </a:fld>
             <a:endParaRPr lang="en-US"/>
           </a:p>
@@ -1959,7 +1964,7 @@
           <a:p>
             <a:fld id="{6D0E7609-1A7C-1E43-81AD-3B15F6EC7206}" type="datetimeFigureOut">
               <a:rPr lang="en-US" smtClean="0"/>
-              <a:t>10/19/22</a:t>
+              <a:t>10/20/22</a:t>
             </a:fld>
             <a:endParaRPr lang="en-US"/>
           </a:p>
@@ -2072,7 +2077,7 @@
           <a:p>
             <a:fld id="{6D0E7609-1A7C-1E43-81AD-3B15F6EC7206}" type="datetimeFigureOut">
               <a:rPr lang="en-US" smtClean="0"/>
-              <a:t>10/19/22</a:t>
+              <a:t>10/20/22</a:t>
             </a:fld>
             <a:endParaRPr lang="en-US"/>
           </a:p>
@@ -2383,7 +2388,7 @@
           <a:p>
             <a:fld id="{6D0E7609-1A7C-1E43-81AD-3B15F6EC7206}" type="datetimeFigureOut">
               <a:rPr lang="en-US" smtClean="0"/>
-              <a:t>10/19/22</a:t>
+              <a:t>10/20/22</a:t>
             </a:fld>
             <a:endParaRPr lang="en-US"/>
           </a:p>
@@ -2671,7 +2676,7 @@
           <a:p>
             <a:fld id="{6D0E7609-1A7C-1E43-81AD-3B15F6EC7206}" type="datetimeFigureOut">
               <a:rPr lang="en-US" smtClean="0"/>
-              <a:t>10/19/22</a:t>
+              <a:t>10/20/22</a:t>
             </a:fld>
             <a:endParaRPr lang="en-US"/>
           </a:p>
@@ -2912,7 +2917,7 @@
           <a:p>
             <a:fld id="{6D0E7609-1A7C-1E43-81AD-3B15F6EC7206}" type="datetimeFigureOut">
               <a:rPr lang="en-US" smtClean="0"/>
-              <a:t>10/19/22</a:t>
+              <a:t>10/20/22</a:t>
             </a:fld>
             <a:endParaRPr lang="en-US"/>
           </a:p>
@@ -3394,55 +3399,7 @@
           <a:p>
             <a:r>
               <a:rPr lang="en-US" dirty="0"/>
-              <a:t>Le </a:t>
-            </a:r>
-            <a:r>
-              <a:rPr lang="en-US" dirty="0" err="1"/>
-              <a:t>niveau</a:t>
-            </a:r>
-            <a:r>
-              <a:rPr lang="en-US" dirty="0"/>
-              <a:t> de documentation des classes </a:t>
-            </a:r>
-            <a:r>
-              <a:rPr lang="en-US" dirty="0" err="1"/>
-              <a:t>est</a:t>
-            </a:r>
-            <a:r>
-              <a:rPr lang="en-US" dirty="0"/>
-              <a:t>-il </a:t>
-            </a:r>
-            <a:r>
-              <a:rPr lang="en-US" dirty="0" err="1"/>
-              <a:t>approprié</a:t>
-            </a:r>
-            <a:r>
-              <a:rPr lang="en-US" dirty="0"/>
-              <a:t> </a:t>
-            </a:r>
-            <a:r>
-              <a:rPr lang="en-US" dirty="0" err="1"/>
-              <a:t>à</a:t>
-            </a:r>
-            <a:r>
-              <a:rPr lang="en-US" dirty="0"/>
-              <a:t> </a:t>
-            </a:r>
-            <a:r>
-              <a:rPr lang="en-US" dirty="0" err="1"/>
-              <a:t>leur</a:t>
-            </a:r>
-            <a:r>
-              <a:rPr lang="en-US" dirty="0"/>
-              <a:t> </a:t>
-            </a:r>
-            <a:r>
-              <a:rPr lang="en-US" dirty="0" err="1"/>
-              <a:t>complexité</a:t>
-            </a:r>
-            <a:r>
-              <a:rPr lang="en-US" dirty="0"/>
-              <a:t>?</a:t>
+              <a:t>Le niveau de documentation des classes est-il approprié à leur complexité?</a:t>
             </a:r>
           </a:p>
         </p:txBody>
@@ -3462,7 +3419,7 @@
         <p:spPr>
           <a:xfrm>
             <a:off x="4304270" y="1383957"/>
-            <a:ext cx="1791730" cy="923330"/>
+            <a:ext cx="1491194" cy="923330"/>
           </a:xfrm>
           <a:prstGeom prst="rect">
             <a:avLst/>
@@ -3477,23 +3434,7 @@
           <a:p>
             <a:r>
               <a:rPr lang="en-US" dirty="0"/>
-              <a:t>La conception </a:t>
-            </a:r>
-            <a:r>
-              <a:rPr lang="en-US" dirty="0" err="1"/>
-              <a:t>est-elle</a:t>
-            </a:r>
-            <a:r>
-              <a:rPr lang="en-US" dirty="0"/>
-              <a:t> bien </a:t>
-            </a:r>
-            <a:r>
-              <a:rPr lang="en-US" dirty="0" err="1"/>
-              <a:t>modulaire</a:t>
-            </a:r>
-            <a:r>
-              <a:rPr lang="en-US" dirty="0"/>
-              <a:t>?</a:t>
+              <a:t>La conception est-elle bien modulaire?</a:t>
             </a:r>
           </a:p>
         </p:txBody>
@@ -3528,15 +3469,7 @@
           <a:p>
             <a:r>
               <a:rPr lang="en-US" dirty="0"/>
-              <a:t>Le code </a:t>
-            </a:r>
-            <a:r>
-              <a:rPr lang="en-US" dirty="0" err="1"/>
-              <a:t>est</a:t>
-            </a:r>
-            <a:r>
-              <a:rPr lang="en-US" dirty="0"/>
-              <a:t>-il mature?</a:t>
+              <a:t>Le code est-il mature?</a:t>
             </a:r>
           </a:p>
         </p:txBody>
@@ -3571,39 +3504,7 @@
           <a:p>
             <a:r>
               <a:rPr lang="en-US" dirty="0"/>
-              <a:t>Le code </a:t>
-            </a:r>
-            <a:r>
-              <a:rPr lang="en-US" dirty="0" err="1"/>
-              <a:t>peut</a:t>
-            </a:r>
-            <a:r>
-              <a:rPr lang="en-US" dirty="0"/>
-              <a:t>-il </a:t>
-            </a:r>
-            <a:r>
-              <a:rPr lang="en-US" dirty="0" err="1"/>
-              <a:t>être</a:t>
-            </a:r>
-            <a:r>
-              <a:rPr lang="en-US" dirty="0"/>
-              <a:t> </a:t>
-            </a:r>
-            <a:r>
-              <a:rPr lang="en-US" dirty="0" err="1"/>
-              <a:t>testé</a:t>
-            </a:r>
-            <a:r>
-              <a:rPr lang="en-US" dirty="0"/>
-              <a:t> bien </a:t>
-            </a:r>
-            <a:r>
-              <a:rPr lang="en-US" dirty="0" err="1"/>
-              <a:t>automatiquement</a:t>
-            </a:r>
-            <a:r>
-              <a:rPr lang="en-US" dirty="0"/>
-              <a:t>?</a:t>
+              <a:t>Le code peut-il être testé bien automatiquement?</a:t>
             </a:r>
           </a:p>
         </p:txBody>
@@ -3660,6 +3561,7 @@
             </a:extLst>
           </p:cNvPr>
           <p:cNvCxnSpPr>
+            <a:cxnSpLocks/>
             <a:stCxn id="4" idx="2"/>
             <a:endCxn id="6" idx="0"/>
           </p:cNvCxnSpPr>
@@ -3667,8 +3569,8 @@
         </p:nvCxnSpPr>
         <p:spPr>
           <a:xfrm flipH="1">
-            <a:off x="5200135" y="999526"/>
-            <a:ext cx="539578" cy="384431"/>
+            <a:off x="5049867" y="999526"/>
+            <a:ext cx="689846" cy="384431"/>
           </a:xfrm>
           <a:prstGeom prst="straightConnector1">
             <a:avLst/>
@@ -3790,7 +3692,7 @@
         </p:nvSpPr>
         <p:spPr>
           <a:xfrm>
-            <a:off x="2174788" y="3193194"/>
+            <a:off x="1775399" y="3193194"/>
             <a:ext cx="840259" cy="369332"/>
           </a:xfrm>
           <a:prstGeom prst="rect">
@@ -3813,10 +3715,10 @@
       </p:sp>
       <p:sp>
         <p:nvSpPr>
-          <p:cNvPr id="18" name="TextBox 17">
-            <a:extLst>
-              <a:ext uri="{FF2B5EF4-FFF2-40B4-BE49-F238E27FC236}">
-                <a16:creationId xmlns:a16="http://schemas.microsoft.com/office/drawing/2014/main" id="{0BF6755B-10DB-E4FE-523B-30A3D7A8C323}"/>
+          <p:cNvPr id="19" name="TextBox 18">
+            <a:extLst>
+              <a:ext uri="{FF2B5EF4-FFF2-40B4-BE49-F238E27FC236}">
+                <a16:creationId xmlns:a16="http://schemas.microsoft.com/office/drawing/2014/main" id="{C671B9FB-B10D-5853-FC39-4560C395E64B}"/>
               </a:ext>
             </a:extLst>
           </p:cNvPr>
@@ -3825,8 +3727,8 @@
         </p:nvSpPr>
         <p:spPr>
           <a:xfrm>
-            <a:off x="9916296" y="3064134"/>
-            <a:ext cx="1983259" cy="646331"/>
+            <a:off x="10231247" y="3100861"/>
+            <a:ext cx="1532238" cy="923330"/>
           </a:xfrm>
           <a:prstGeom prst="rect">
             <a:avLst/>
@@ -3841,33 +3743,17 @@
           <a:p>
             <a:r>
               <a:rPr lang="en-US" dirty="0"/>
-              <a:t>Tests per </a:t>
-            </a:r>
-            <a:r>
-              <a:rPr lang="en-US" dirty="0" err="1"/>
-              <a:t>classe</a:t>
-            </a:r>
-            <a:r>
-              <a:rPr lang="en-US" dirty="0"/>
-              <a:t> by </a:t>
-            </a:r>
-            <a:r>
-              <a:rPr lang="en-US" dirty="0" err="1"/>
-              <a:t>package:Ct</a:t>
-            </a:r>
-            <a:r>
-              <a:rPr lang="en-US" dirty="0"/>
-              <a:t>/Cp</a:t>
-            </a:r>
-          </a:p>
-        </p:txBody>
-      </p:sp>
-      <p:sp>
-        <p:nvSpPr>
-          <p:cNvPr id="19" name="TextBox 18">
-            <a:extLst>
-              <a:ext uri="{FF2B5EF4-FFF2-40B4-BE49-F238E27FC236}">
-                <a16:creationId xmlns:a16="http://schemas.microsoft.com/office/drawing/2014/main" id="{C671B9FB-B10D-5853-FC39-4560C395E64B}"/>
+              <a:t>JTA:number of Junit test assertions</a:t>
+            </a:r>
+          </a:p>
+        </p:txBody>
+      </p:sp>
+      <p:sp>
+        <p:nvSpPr>
+          <p:cNvPr id="20" name="TextBox 19">
+            <a:extLst>
+              <a:ext uri="{FF2B5EF4-FFF2-40B4-BE49-F238E27FC236}">
+                <a16:creationId xmlns:a16="http://schemas.microsoft.com/office/drawing/2014/main" id="{E93590C7-7796-FAA7-6907-24C1B8DE2FC2}"/>
               </a:ext>
             </a:extLst>
           </p:cNvPr>
@@ -3876,8 +3762,8 @@
         </p:nvSpPr>
         <p:spPr>
           <a:xfrm>
-            <a:off x="6623223" y="3545362"/>
-            <a:ext cx="1532238" cy="923330"/>
+            <a:off x="3123279" y="2916195"/>
+            <a:ext cx="729049" cy="369332"/>
           </a:xfrm>
           <a:prstGeom prst="rect">
             <a:avLst/>
@@ -3891,22 +3777,18 @@
           <a:lstStyle/>
           <a:p>
             <a:r>
-              <a:rPr lang="en-US" dirty="0" err="1"/>
-              <a:t>JTA:number</a:t>
-            </a:r>
-            <a:r>
               <a:rPr lang="en-US" dirty="0"/>
-              <a:t> of Junit test assertions</a:t>
-            </a:r>
-          </a:p>
-        </p:txBody>
-      </p:sp>
-      <p:sp>
-        <p:nvSpPr>
-          <p:cNvPr id="20" name="TextBox 19">
-            <a:extLst>
-              <a:ext uri="{FF2B5EF4-FFF2-40B4-BE49-F238E27FC236}">
-                <a16:creationId xmlns:a16="http://schemas.microsoft.com/office/drawing/2014/main" id="{E93590C7-7796-FAA7-6907-24C1B8DE2FC2}"/>
+              <a:t>WMC</a:t>
+            </a:r>
+          </a:p>
+        </p:txBody>
+      </p:sp>
+      <p:sp>
+        <p:nvSpPr>
+          <p:cNvPr id="21" name="TextBox 20">
+            <a:extLst>
+              <a:ext uri="{FF2B5EF4-FFF2-40B4-BE49-F238E27FC236}">
+                <a16:creationId xmlns:a16="http://schemas.microsoft.com/office/drawing/2014/main" id="{4DD7DC11-6F9C-40E0-EB0F-B010EC218A58}"/>
               </a:ext>
             </a:extLst>
           </p:cNvPr>
@@ -3915,8 +3797,8 @@
         </p:nvSpPr>
         <p:spPr>
           <a:xfrm>
-            <a:off x="3175685" y="3730028"/>
-            <a:ext cx="729049" cy="369332"/>
+            <a:off x="428515" y="4099360"/>
+            <a:ext cx="1532237" cy="923330"/>
           </a:xfrm>
           <a:prstGeom prst="rect">
             <a:avLst/>
@@ -3931,50 +3813,7 @@
           <a:p>
             <a:r>
               <a:rPr lang="en-US" dirty="0"/>
-              <a:t>WMC</a:t>
-            </a:r>
-          </a:p>
-        </p:txBody>
-      </p:sp>
-      <p:sp>
-        <p:nvSpPr>
-          <p:cNvPr id="21" name="TextBox 20">
-            <a:extLst>
-              <a:ext uri="{FF2B5EF4-FFF2-40B4-BE49-F238E27FC236}">
-                <a16:creationId xmlns:a16="http://schemas.microsoft.com/office/drawing/2014/main" id="{4DD7DC11-6F9C-40E0-EB0F-B010EC218A58}"/>
-              </a:ext>
-            </a:extLst>
-          </p:cNvPr>
-          <p:cNvSpPr txBox="1"/>
-          <p:nvPr/>
-        </p:nvSpPr>
-        <p:spPr>
-          <a:xfrm>
-            <a:off x="827904" y="4099360"/>
-            <a:ext cx="1532237" cy="923330"/>
-          </a:xfrm>
-          <a:prstGeom prst="rect">
-            <a:avLst/>
-          </a:prstGeom>
-          <a:noFill/>
-        </p:spPr>
-        <p:txBody>
-          <a:bodyPr wrap="square" rtlCol="0">
-            <a:spAutoFit/>
-          </a:bodyPr>
-          <a:lstStyle/>
-          <a:p>
-            <a:r>
-              <a:rPr lang="en-US" dirty="0"/>
-              <a:t>Comment </a:t>
-            </a:r>
-            <a:r>
-              <a:rPr lang="en-US" dirty="0" err="1"/>
-              <a:t>Density:CLOC</a:t>
-            </a:r>
-            <a:r>
-              <a:rPr lang="en-US" dirty="0"/>
-              <a:t>/LOC</a:t>
+              <a:t>Comment Density:CLOC/LOC</a:t>
             </a:r>
           </a:p>
         </p:txBody>
@@ -3989,6 +3828,7 @@
             </a:extLst>
           </p:cNvPr>
           <p:cNvCxnSpPr>
+            <a:cxnSpLocks/>
             <a:stCxn id="6" idx="2"/>
             <a:endCxn id="20" idx="0"/>
           </p:cNvCxnSpPr>
@@ -3996,8 +3836,8 @@
         </p:nvCxnSpPr>
         <p:spPr>
           <a:xfrm flipH="1">
-            <a:off x="3540210" y="2307287"/>
-            <a:ext cx="1659925" cy="1422741"/>
+            <a:off x="3487804" y="2307287"/>
+            <a:ext cx="1562063" cy="608908"/>
           </a:xfrm>
           <a:prstGeom prst="straightConnector1">
             <a:avLst/>
@@ -4031,6 +3871,7 @@
             </a:extLst>
           </p:cNvPr>
           <p:cNvCxnSpPr>
+            <a:cxnSpLocks/>
             <a:stCxn id="5" idx="2"/>
             <a:endCxn id="20" idx="0"/>
           </p:cNvCxnSpPr>
@@ -4039,7 +3880,7 @@
         <p:spPr>
           <a:xfrm>
             <a:off x="2174789" y="2307287"/>
-            <a:ext cx="1365421" cy="1422741"/>
+            <a:ext cx="1313015" cy="608908"/>
           </a:xfrm>
           <a:prstGeom prst="straightConnector1">
             <a:avLst/>
@@ -4077,8 +3918,8 @@
         </p:nvSpPr>
         <p:spPr>
           <a:xfrm>
-            <a:off x="4683211" y="3562526"/>
-            <a:ext cx="786713" cy="369332"/>
+            <a:off x="4105255" y="3580538"/>
+            <a:ext cx="647366" cy="369332"/>
           </a:xfrm>
           <a:prstGeom prst="rect">
             <a:avLst/>
@@ -4108,6 +3949,7 @@
             </a:extLst>
           </p:cNvPr>
           <p:cNvCxnSpPr>
+            <a:cxnSpLocks/>
             <a:stCxn id="6" idx="2"/>
             <a:endCxn id="26" idx="0"/>
           </p:cNvCxnSpPr>
@@ -4115,8 +3957,8 @@
         </p:nvCxnSpPr>
         <p:spPr>
           <a:xfrm flipH="1">
-            <a:off x="5076568" y="2307287"/>
-            <a:ext cx="123567" cy="1255239"/>
+            <a:off x="4428938" y="2307287"/>
+            <a:ext cx="620929" cy="1273251"/>
           </a:xfrm>
           <a:prstGeom prst="straightConnector1">
             <a:avLst/>
@@ -4150,6 +3992,7 @@
             </a:extLst>
           </p:cNvPr>
           <p:cNvCxnSpPr>
+            <a:cxnSpLocks/>
             <a:stCxn id="5" idx="2"/>
             <a:endCxn id="21" idx="0"/>
           </p:cNvCxnSpPr>
@@ -4157,8 +4000,8 @@
         </p:nvCxnSpPr>
         <p:spPr>
           <a:xfrm flipH="1">
-            <a:off x="1594023" y="2307287"/>
-            <a:ext cx="580766" cy="1792073"/>
+            <a:off x="1194634" y="2307287"/>
+            <a:ext cx="980155" cy="1792073"/>
           </a:xfrm>
           <a:prstGeom prst="straightConnector1">
             <a:avLst/>
@@ -4192,6 +4035,7 @@
             </a:extLst>
           </p:cNvPr>
           <p:cNvCxnSpPr>
+            <a:cxnSpLocks/>
             <a:stCxn id="5" idx="2"/>
             <a:endCxn id="17" idx="0"/>
           </p:cNvCxnSpPr>
@@ -4200,7 +4044,7 @@
         <p:spPr>
           <a:xfrm>
             <a:off x="2174789" y="2307287"/>
-            <a:ext cx="420129" cy="885907"/>
+            <a:ext cx="20740" cy="885907"/>
           </a:xfrm>
           <a:prstGeom prst="straightConnector1">
             <a:avLst/>
@@ -4234,15 +4078,258 @@
             </a:extLst>
           </p:cNvPr>
           <p:cNvCxnSpPr>
-            <a:stCxn id="7" idx="2"/>
+            <a:cxnSpLocks/>
+            <a:stCxn id="8" idx="2"/>
             <a:endCxn id="19" idx="0"/>
           </p:cNvCxnSpPr>
           <p:nvPr/>
         </p:nvCxnSpPr>
         <p:spPr>
           <a:xfrm>
-            <a:off x="7309021" y="2168787"/>
-            <a:ext cx="80321" cy="1376575"/>
+            <a:off x="10144897" y="2307287"/>
+            <a:ext cx="852469" cy="793574"/>
+          </a:xfrm>
+          <a:prstGeom prst="straightConnector1">
+            <a:avLst/>
+          </a:prstGeom>
+          <a:ln w="31750">
+            <a:tailEnd type="triangle"/>
+          </a:ln>
+        </p:spPr>
+        <p:style>
+          <a:lnRef idx="1">
+            <a:schemeClr val="accent1"/>
+          </a:lnRef>
+          <a:fillRef idx="0">
+            <a:schemeClr val="accent1"/>
+          </a:fillRef>
+          <a:effectRef idx="0">
+            <a:schemeClr val="accent1"/>
+          </a:effectRef>
+          <a:fontRef idx="minor">
+            <a:schemeClr val="tx1"/>
+          </a:fontRef>
+        </p:style>
+      </p:cxnSp>
+      <p:sp>
+        <p:nvSpPr>
+          <p:cNvPr id="37" name="TextBox 36">
+            <a:extLst>
+              <a:ext uri="{FF2B5EF4-FFF2-40B4-BE49-F238E27FC236}">
+                <a16:creationId xmlns:a16="http://schemas.microsoft.com/office/drawing/2014/main" id="{1730D25F-9A0D-06B3-90D8-C34EA8F74E3B}"/>
+              </a:ext>
+            </a:extLst>
+          </p:cNvPr>
+          <p:cNvSpPr txBox="1"/>
+          <p:nvPr/>
+        </p:nvSpPr>
+        <p:spPr>
+          <a:xfrm>
+            <a:off x="5022210" y="3524442"/>
+            <a:ext cx="784363" cy="369332"/>
+          </a:xfrm>
+          <a:prstGeom prst="rect">
+            <a:avLst/>
+          </a:prstGeom>
+          <a:noFill/>
+        </p:spPr>
+        <p:txBody>
+          <a:bodyPr wrap="square" rtlCol="0">
+            <a:spAutoFit/>
+          </a:bodyPr>
+          <a:lstStyle/>
+          <a:p>
+            <a:r>
+              <a:rPr lang="en-US" dirty="0"/>
+              <a:t>LCOM</a:t>
+            </a:r>
+          </a:p>
+        </p:txBody>
+      </p:sp>
+      <p:cxnSp>
+        <p:nvCxnSpPr>
+          <p:cNvPr id="39" name="Straight Arrow Connector 38">
+            <a:extLst>
+              <a:ext uri="{FF2B5EF4-FFF2-40B4-BE49-F238E27FC236}">
+                <a16:creationId xmlns:a16="http://schemas.microsoft.com/office/drawing/2014/main" id="{62BE97C2-8303-5315-2257-25D0043525D3}"/>
+              </a:ext>
+            </a:extLst>
+          </p:cNvPr>
+          <p:cNvCxnSpPr>
+            <a:cxnSpLocks/>
+            <a:stCxn id="6" idx="2"/>
+            <a:endCxn id="37" idx="0"/>
+          </p:cNvCxnSpPr>
+          <p:nvPr/>
+        </p:nvCxnSpPr>
+        <p:spPr>
+          <a:xfrm>
+            <a:off x="5049867" y="2307287"/>
+            <a:ext cx="364525" cy="1217155"/>
+          </a:xfrm>
+          <a:prstGeom prst="straightConnector1">
+            <a:avLst/>
+          </a:prstGeom>
+          <a:ln w="31750">
+            <a:tailEnd type="triangle"/>
+          </a:ln>
+        </p:spPr>
+        <p:style>
+          <a:lnRef idx="1">
+            <a:schemeClr val="accent1"/>
+          </a:lnRef>
+          <a:fillRef idx="0">
+            <a:schemeClr val="accent1"/>
+          </a:fillRef>
+          <a:effectRef idx="0">
+            <a:schemeClr val="accent1"/>
+          </a:effectRef>
+          <a:fontRef idx="minor">
+            <a:schemeClr val="tx1"/>
+          </a:fontRef>
+        </p:style>
+      </p:cxnSp>
+      <p:sp>
+        <p:nvSpPr>
+          <p:cNvPr id="2" name="TextBox 1">
+            <a:extLst>
+              <a:ext uri="{FF2B5EF4-FFF2-40B4-BE49-F238E27FC236}">
+                <a16:creationId xmlns:a16="http://schemas.microsoft.com/office/drawing/2014/main" id="{9BABC095-E70C-C911-94C8-1DE0DE963E53}"/>
+              </a:ext>
+            </a:extLst>
+          </p:cNvPr>
+          <p:cNvSpPr txBox="1"/>
+          <p:nvPr/>
+        </p:nvSpPr>
+        <p:spPr>
+          <a:xfrm>
+            <a:off x="8004015" y="3285527"/>
+            <a:ext cx="1532238" cy="923330"/>
+          </a:xfrm>
+          <a:prstGeom prst="rect">
+            <a:avLst/>
+          </a:prstGeom>
+          <a:noFill/>
+        </p:spPr>
+        <p:txBody>
+          <a:bodyPr wrap="square" rtlCol="0">
+            <a:spAutoFit/>
+          </a:bodyPr>
+          <a:lstStyle/>
+          <a:p>
+            <a:r>
+              <a:rPr lang="en-US" dirty="0"/>
+              <a:t>JTC:number of JUnit test cases</a:t>
+            </a:r>
+          </a:p>
+        </p:txBody>
+      </p:sp>
+      <p:cxnSp>
+        <p:nvCxnSpPr>
+          <p:cNvPr id="13" name="Straight Arrow Connector 12">
+            <a:extLst>
+              <a:ext uri="{FF2B5EF4-FFF2-40B4-BE49-F238E27FC236}">
+                <a16:creationId xmlns:a16="http://schemas.microsoft.com/office/drawing/2014/main" id="{DC5A8EF8-4BBF-63C6-E777-D7A4D0230F65}"/>
+              </a:ext>
+            </a:extLst>
+          </p:cNvPr>
+          <p:cNvCxnSpPr>
+            <a:cxnSpLocks/>
+            <a:stCxn id="8" idx="2"/>
+            <a:endCxn id="2" idx="0"/>
+          </p:cNvCxnSpPr>
+          <p:nvPr/>
+        </p:nvCxnSpPr>
+        <p:spPr>
+          <a:xfrm flipH="1">
+            <a:off x="8770134" y="2307287"/>
+            <a:ext cx="1374763" cy="978240"/>
+          </a:xfrm>
+          <a:prstGeom prst="straightConnector1">
+            <a:avLst/>
+          </a:prstGeom>
+          <a:ln w="31750">
+            <a:tailEnd type="triangle"/>
+          </a:ln>
+        </p:spPr>
+        <p:style>
+          <a:lnRef idx="1">
+            <a:schemeClr val="accent1"/>
+          </a:lnRef>
+          <a:fillRef idx="0">
+            <a:schemeClr val="accent1"/>
+          </a:fillRef>
+          <a:effectRef idx="0">
+            <a:schemeClr val="accent1"/>
+          </a:effectRef>
+          <a:fontRef idx="minor">
+            <a:schemeClr val="tx1"/>
+          </a:fontRef>
+        </p:style>
+      </p:cxnSp>
+      <p:sp>
+        <p:nvSpPr>
+          <p:cNvPr id="41" name="TextBox 40">
+            <a:extLst>
+              <a:ext uri="{FF2B5EF4-FFF2-40B4-BE49-F238E27FC236}">
+                <a16:creationId xmlns:a16="http://schemas.microsoft.com/office/drawing/2014/main" id="{DC717E4B-F78E-682C-55B7-3A79E8263304}"/>
+              </a:ext>
+            </a:extLst>
+          </p:cNvPr>
+          <p:cNvSpPr txBox="1"/>
+          <p:nvPr/>
+        </p:nvSpPr>
+        <p:spPr>
+          <a:xfrm>
+            <a:off x="6314303" y="3247443"/>
+            <a:ext cx="1532238" cy="923330"/>
+          </a:xfrm>
+          <a:prstGeom prst="rect">
+            <a:avLst/>
+          </a:prstGeom>
+          <a:noFill/>
+        </p:spPr>
+        <p:txBody>
+          <a:bodyPr wrap="square" rtlCol="0">
+            <a:spAutoFit/>
+          </a:bodyPr>
+          <a:lstStyle/>
+          <a:p>
+            <a:r>
+              <a:rPr lang="en-US" dirty="0"/>
+              <a:t>Instability</a:t>
+            </a:r>
+            <a:r>
+              <a:rPr lang="en-CA" dirty="0"/>
+              <a:t>:</a:t>
+            </a:r>
+            <a:r>
+              <a:rPr lang="en-US" dirty="0"/>
+              <a:t> range of [0,1]. Ce/(Ca+Ce)</a:t>
+            </a:r>
+          </a:p>
+        </p:txBody>
+      </p:sp>
+      <p:cxnSp>
+        <p:nvCxnSpPr>
+          <p:cNvPr id="42" name="Straight Arrow Connector 41">
+            <a:extLst>
+              <a:ext uri="{FF2B5EF4-FFF2-40B4-BE49-F238E27FC236}">
+                <a16:creationId xmlns:a16="http://schemas.microsoft.com/office/drawing/2014/main" id="{A7A4045D-5C7F-0B54-94F8-BBB971D87690}"/>
+              </a:ext>
+            </a:extLst>
+          </p:cNvPr>
+          <p:cNvCxnSpPr>
+            <a:cxnSpLocks/>
+            <a:stCxn id="7" idx="2"/>
+            <a:endCxn id="41" idx="0"/>
+          </p:cNvCxnSpPr>
+          <p:nvPr/>
+        </p:nvCxnSpPr>
+        <p:spPr>
+          <a:xfrm flipH="1">
+            <a:off x="7080422" y="2168787"/>
+            <a:ext cx="228599" cy="1078656"/>
           </a:xfrm>
           <a:prstGeom prst="straightConnector1">
             <a:avLst/>
@@ -4268,24 +4355,24 @@
       </p:cxnSp>
       <p:cxnSp>
         <p:nvCxnSpPr>
-          <p:cNvPr id="36" name="Straight Arrow Connector 35">
-            <a:extLst>
-              <a:ext uri="{FF2B5EF4-FFF2-40B4-BE49-F238E27FC236}">
-                <a16:creationId xmlns:a16="http://schemas.microsoft.com/office/drawing/2014/main" id="{63829219-2E63-258C-6C92-70383EF771FF}"/>
+          <p:cNvPr id="48" name="Straight Arrow Connector 47">
+            <a:extLst>
+              <a:ext uri="{FF2B5EF4-FFF2-40B4-BE49-F238E27FC236}">
+                <a16:creationId xmlns:a16="http://schemas.microsoft.com/office/drawing/2014/main" id="{1A031F0C-B445-32E3-DC59-130FA9ED560E}"/>
               </a:ext>
             </a:extLst>
           </p:cNvPr>
           <p:cNvCxnSpPr>
             <a:cxnSpLocks/>
-            <a:stCxn id="8" idx="2"/>
-            <a:endCxn id="18" idx="0"/>
+            <a:stCxn id="7" idx="2"/>
+            <a:endCxn id="2" idx="0"/>
           </p:cNvCxnSpPr>
           <p:nvPr/>
         </p:nvCxnSpPr>
         <p:spPr>
           <a:xfrm>
-            <a:off x="10144897" y="2307287"/>
-            <a:ext cx="763029" cy="756847"/>
+            <a:off x="7309021" y="2168787"/>
+            <a:ext cx="1461113" cy="1116740"/>
           </a:xfrm>
           <a:prstGeom prst="straightConnector1">
             <a:avLst/>
@@ -4311,10 +4398,10 @@
       </p:cxnSp>
       <p:sp>
         <p:nvSpPr>
-          <p:cNvPr id="37" name="TextBox 36">
-            <a:extLst>
-              <a:ext uri="{FF2B5EF4-FFF2-40B4-BE49-F238E27FC236}">
-                <a16:creationId xmlns:a16="http://schemas.microsoft.com/office/drawing/2014/main" id="{1730D25F-9A0D-06B3-90D8-C34EA8F74E3B}"/>
+          <p:cNvPr id="52" name="TextBox 51">
+            <a:extLst>
+              <a:ext uri="{FF2B5EF4-FFF2-40B4-BE49-F238E27FC236}">
+                <a16:creationId xmlns:a16="http://schemas.microsoft.com/office/drawing/2014/main" id="{C1FEB23B-3427-A831-6EED-306A6F9BAED5}"/>
               </a:ext>
             </a:extLst>
           </p:cNvPr>
@@ -4323,8 +4410,8 @@
         </p:nvSpPr>
         <p:spPr>
           <a:xfrm>
-            <a:off x="5469924" y="4099360"/>
-            <a:ext cx="1140940" cy="369332"/>
+            <a:off x="3989172" y="5077600"/>
+            <a:ext cx="1750541" cy="646331"/>
           </a:xfrm>
           <a:prstGeom prst="rect">
             <a:avLst/>
@@ -4332,37 +4419,81 @@
           <a:noFill/>
         </p:spPr>
         <p:txBody>
-          <a:bodyPr wrap="square" rtlCol="0">
+          <a:bodyPr wrap="square">
             <a:spAutoFit/>
           </a:bodyPr>
           <a:lstStyle/>
           <a:p>
             <a:r>
               <a:rPr lang="en-US" dirty="0"/>
-              <a:t>LCOM</a:t>
+              <a:t>v(G): Cyclomatic complexity</a:t>
             </a:r>
           </a:p>
         </p:txBody>
       </p:sp>
       <p:cxnSp>
         <p:nvCxnSpPr>
-          <p:cNvPr id="39" name="Straight Arrow Connector 38">
-            <a:extLst>
-              <a:ext uri="{FF2B5EF4-FFF2-40B4-BE49-F238E27FC236}">
-                <a16:creationId xmlns:a16="http://schemas.microsoft.com/office/drawing/2014/main" id="{62BE97C2-8303-5315-2257-25D0043525D3}"/>
+          <p:cNvPr id="59" name="Straight Arrow Connector 58">
+            <a:extLst>
+              <a:ext uri="{FF2B5EF4-FFF2-40B4-BE49-F238E27FC236}">
+                <a16:creationId xmlns:a16="http://schemas.microsoft.com/office/drawing/2014/main" id="{EE0133F3-29AD-1597-1469-D5131105E5BC}"/>
               </a:ext>
             </a:extLst>
           </p:cNvPr>
           <p:cNvCxnSpPr>
-            <a:stCxn id="6" idx="2"/>
-            <a:endCxn id="37" idx="0"/>
+            <a:cxnSpLocks/>
+            <a:stCxn id="7" idx="2"/>
+            <a:endCxn id="52" idx="0"/>
           </p:cNvCxnSpPr>
           <p:nvPr/>
         </p:nvCxnSpPr>
         <p:spPr>
+          <a:xfrm flipH="1">
+            <a:off x="4864443" y="2168787"/>
+            <a:ext cx="2444578" cy="2908813"/>
+          </a:xfrm>
+          <a:prstGeom prst="straightConnector1">
+            <a:avLst/>
+          </a:prstGeom>
+          <a:ln w="31750">
+            <a:tailEnd type="triangle"/>
+          </a:ln>
+        </p:spPr>
+        <p:style>
+          <a:lnRef idx="1">
+            <a:schemeClr val="accent1"/>
+          </a:lnRef>
+          <a:fillRef idx="0">
+            <a:schemeClr val="accent1"/>
+          </a:fillRef>
+          <a:effectRef idx="0">
+            <a:schemeClr val="accent1"/>
+          </a:effectRef>
+          <a:fontRef idx="minor">
+            <a:schemeClr val="tx1"/>
+          </a:fontRef>
+        </p:style>
+      </p:cxnSp>
+      <p:cxnSp>
+        <p:nvCxnSpPr>
+          <p:cNvPr id="62" name="Straight Arrow Connector 61">
+            <a:extLst>
+              <a:ext uri="{FF2B5EF4-FFF2-40B4-BE49-F238E27FC236}">
+                <a16:creationId xmlns:a16="http://schemas.microsoft.com/office/drawing/2014/main" id="{63833FBA-CF6D-12A1-1E94-E18405EC3C37}"/>
+              </a:ext>
+            </a:extLst>
+          </p:cNvPr>
+          <p:cNvCxnSpPr>
+            <a:cxnSpLocks/>
+            <a:stCxn id="5" idx="2"/>
+            <a:endCxn id="52" idx="0"/>
+          </p:cNvCxnSpPr>
+          <p:nvPr/>
+        </p:nvCxnSpPr>
+        <p:spPr>
           <a:xfrm>
-            <a:off x="5200135" y="2307287"/>
-            <a:ext cx="840259" cy="1792073"/>
+            <a:off x="2174789" y="2307287"/>
+            <a:ext cx="2689654" cy="2770313"/>
           </a:xfrm>
           <a:prstGeom prst="straightConnector1">
             <a:avLst/>

--- a/devoir2/WenhaoXU_20150702_ManpingLI_968527/GQM plan.pptx
+++ b/devoir2/WenhaoXU_20150702_ManpingLI_968527/GQM plan.pptx
@@ -115,9 +115,206 @@
 <file path=ppt/revisionInfo.xml><?xml version="1.0" encoding="utf-8"?>
 <p1510:revInfo xmlns:a="http://schemas.openxmlformats.org/drawingml/2006/main" xmlns:r="http://schemas.openxmlformats.org/officeDocument/2006/relationships" xmlns:p1510="http://schemas.microsoft.com/office/powerpoint/2015/10/main">
   <p1510:revLst>
-    <p1510:client id="{F69B6B5C-DB74-1B41-A67C-3F51A2451015}" v="8" dt="2022-10-20T03:11:35.379"/>
+    <p1510:client id="{F69B6B5C-DB74-1B41-A67C-3F51A2451015}" v="10" dt="2022-10-21T19:17:35.713"/>
   </p1510:revLst>
 </p1510:revInfo>
+</file>
+
+<file path=ppt/changesInfos/changesInfo1.xml><?xml version="1.0" encoding="utf-8"?>
+<pc:chgInfo xmlns:a="http://schemas.openxmlformats.org/drawingml/2006/main" xmlns:r="http://schemas.openxmlformats.org/officeDocument/2006/relationships" xmlns:ac="http://schemas.microsoft.com/office/drawing/2013/main/command" xmlns:pc="http://schemas.microsoft.com/office/powerpoint/2013/main/command">
+  <pc:docChgLst>
+    <pc:chgData name="Man Ping LI" userId="9a296d72e9c16694" providerId="LiveId" clId="{F69B6B5C-DB74-1B41-A67C-3F51A2451015}"/>
+    <pc:docChg chg="custSel modSld">
+      <pc:chgData name="Man Ping LI" userId="9a296d72e9c16694" providerId="LiveId" clId="{F69B6B5C-DB74-1B41-A67C-3F51A2451015}" dt="2022-10-21T19:19:01.246" v="33" actId="692"/>
+      <pc:docMkLst>
+        <pc:docMk/>
+      </pc:docMkLst>
+      <pc:sldChg chg="addSp delSp modSp mod">
+        <pc:chgData name="Man Ping LI" userId="9a296d72e9c16694" providerId="LiveId" clId="{F69B6B5C-DB74-1B41-A67C-3F51A2451015}" dt="2022-10-21T19:19:01.246" v="33" actId="692"/>
+        <pc:sldMkLst>
+          <pc:docMk/>
+          <pc:sldMk cId="1972806892" sldId="256"/>
+        </pc:sldMkLst>
+        <pc:spChg chg="mod">
+          <ac:chgData name="Man Ping LI" userId="9a296d72e9c16694" providerId="LiveId" clId="{F69B6B5C-DB74-1B41-A67C-3F51A2451015}" dt="2022-10-21T19:16:38.733" v="10" actId="1076"/>
+          <ac:spMkLst>
+            <pc:docMk/>
+            <pc:sldMk cId="1972806892" sldId="256"/>
+            <ac:spMk id="2" creationId="{9BABC095-E70C-C911-94C8-1DE0DE963E53}"/>
+          </ac:spMkLst>
+        </pc:spChg>
+        <pc:spChg chg="del">
+          <ac:chgData name="Man Ping LI" userId="9a296d72e9c16694" providerId="LiveId" clId="{F69B6B5C-DB74-1B41-A67C-3F51A2451015}" dt="2022-10-21T19:17:28.042" v="18" actId="478"/>
+          <ac:spMkLst>
+            <pc:docMk/>
+            <pc:sldMk cId="1972806892" sldId="256"/>
+            <ac:spMk id="19" creationId="{C671B9FB-B10D-5853-FC39-4560C395E64B}"/>
+          </ac:spMkLst>
+        </pc:spChg>
+        <pc:spChg chg="mod">
+          <ac:chgData name="Man Ping LI" userId="9a296d72e9c16694" providerId="LiveId" clId="{F69B6B5C-DB74-1B41-A67C-3F51A2451015}" dt="2022-10-21T19:18:19.842" v="27" actId="1076"/>
+          <ac:spMkLst>
+            <pc:docMk/>
+            <pc:sldMk cId="1972806892" sldId="256"/>
+            <ac:spMk id="26" creationId="{5E42ABF8-E29C-867B-01C6-69E7A43A1E14}"/>
+          </ac:spMkLst>
+        </pc:spChg>
+        <pc:spChg chg="add mod">
+          <ac:chgData name="Man Ping LI" userId="9a296d72e9c16694" providerId="LiveId" clId="{F69B6B5C-DB74-1B41-A67C-3F51A2451015}" dt="2022-10-21T19:16:59.537" v="15" actId="1076"/>
+          <ac:spMkLst>
+            <pc:docMk/>
+            <pc:sldMk cId="1972806892" sldId="256"/>
+            <ac:spMk id="31" creationId="{F2043878-2F25-134B-9F3B-674B90D038B6}"/>
+          </ac:spMkLst>
+        </pc:spChg>
+        <pc:spChg chg="mod">
+          <ac:chgData name="Man Ping LI" userId="9a296d72e9c16694" providerId="LiveId" clId="{F69B6B5C-DB74-1B41-A67C-3F51A2451015}" dt="2022-10-21T19:16:05.240" v="3" actId="1076"/>
+          <ac:spMkLst>
+            <pc:docMk/>
+            <pc:sldMk cId="1972806892" sldId="256"/>
+            <ac:spMk id="37" creationId="{1730D25F-9A0D-06B3-90D8-C34EA8F74E3B}"/>
+          </ac:spMkLst>
+        </pc:spChg>
+        <pc:spChg chg="add mod">
+          <ac:chgData name="Man Ping LI" userId="9a296d72e9c16694" providerId="LiveId" clId="{F69B6B5C-DB74-1B41-A67C-3F51A2451015}" dt="2022-10-21T19:18:16.661" v="26" actId="1076"/>
+          <ac:spMkLst>
+            <pc:docMk/>
+            <pc:sldMk cId="1972806892" sldId="256"/>
+            <ac:spMk id="40" creationId="{035A5DDB-34B8-D20D-C9CA-2663EF09E8DE}"/>
+          </ac:spMkLst>
+        </pc:spChg>
+        <pc:spChg chg="del">
+          <ac:chgData name="Man Ping LI" userId="9a296d72e9c16694" providerId="LiveId" clId="{F69B6B5C-DB74-1B41-A67C-3F51A2451015}" dt="2022-10-21T19:16:26.459" v="6" actId="478"/>
+          <ac:spMkLst>
+            <pc:docMk/>
+            <pc:sldMk cId="1972806892" sldId="256"/>
+            <ac:spMk id="41" creationId="{DC717E4B-F78E-682C-55B7-3A79E8263304}"/>
+          </ac:spMkLst>
+        </pc:spChg>
+        <pc:spChg chg="mod">
+          <ac:chgData name="Man Ping LI" userId="9a296d72e9c16694" providerId="LiveId" clId="{F69B6B5C-DB74-1B41-A67C-3F51A2451015}" dt="2022-10-21T19:15:47.868" v="0" actId="1076"/>
+          <ac:spMkLst>
+            <pc:docMk/>
+            <pc:sldMk cId="1972806892" sldId="256"/>
+            <ac:spMk id="52" creationId="{C1FEB23B-3427-A831-6EED-306A6F9BAED5}"/>
+          </ac:spMkLst>
+        </pc:spChg>
+        <pc:cxnChg chg="del mod">
+          <ac:chgData name="Man Ping LI" userId="9a296d72e9c16694" providerId="LiveId" clId="{F69B6B5C-DB74-1B41-A67C-3F51A2451015}" dt="2022-10-21T19:16:35.954" v="9" actId="478"/>
+          <ac:cxnSpMkLst>
+            <pc:docMk/>
+            <pc:sldMk cId="1972806892" sldId="256"/>
+            <ac:cxnSpMk id="13" creationId="{DC5A8EF8-4BBF-63C6-E777-D7A4D0230F65}"/>
+          </ac:cxnSpMkLst>
+        </pc:cxnChg>
+        <pc:cxnChg chg="add mod">
+          <ac:chgData name="Man Ping LI" userId="9a296d72e9c16694" providerId="LiveId" clId="{F69B6B5C-DB74-1B41-A67C-3F51A2451015}" dt="2022-10-21T19:16:19.503" v="5" actId="692"/>
+          <ac:cxnSpMkLst>
+            <pc:docMk/>
+            <pc:sldMk cId="1972806892" sldId="256"/>
+            <ac:cxnSpMk id="22" creationId="{C7AB4BC3-6003-6DE0-34F4-81420AD4F5DC}"/>
+          </ac:cxnSpMkLst>
+        </pc:cxnChg>
+        <pc:cxnChg chg="mod">
+          <ac:chgData name="Man Ping LI" userId="9a296d72e9c16694" providerId="LiveId" clId="{F69B6B5C-DB74-1B41-A67C-3F51A2451015}" dt="2022-10-21T19:18:19.842" v="27" actId="1076"/>
+          <ac:cxnSpMkLst>
+            <pc:docMk/>
+            <pc:sldMk cId="1972806892" sldId="256"/>
+            <ac:cxnSpMk id="28" creationId="{EC3F9BFE-3A38-1844-6D72-421D5403A1B3}"/>
+          </ac:cxnSpMkLst>
+        </pc:cxnChg>
+        <pc:cxnChg chg="del mod">
+          <ac:chgData name="Man Ping LI" userId="9a296d72e9c16694" providerId="LiveId" clId="{F69B6B5C-DB74-1B41-A67C-3F51A2451015}" dt="2022-10-21T19:17:30.053" v="19" actId="478"/>
+          <ac:cxnSpMkLst>
+            <pc:docMk/>
+            <pc:sldMk cId="1972806892" sldId="256"/>
+            <ac:cxnSpMk id="34" creationId="{55FB8443-B16F-B6BF-711E-A2BA778EAD97}"/>
+          </ac:cxnSpMkLst>
+        </pc:cxnChg>
+        <pc:cxnChg chg="add mod">
+          <ac:chgData name="Man Ping LI" userId="9a296d72e9c16694" providerId="LiveId" clId="{F69B6B5C-DB74-1B41-A67C-3F51A2451015}" dt="2022-10-21T19:19:01.246" v="33" actId="692"/>
+          <ac:cxnSpMkLst>
+            <pc:docMk/>
+            <pc:sldMk cId="1972806892" sldId="256"/>
+            <ac:cxnSpMk id="35" creationId="{25C28540-545C-B7D6-FFFC-BDE3967FB0B6}"/>
+          </ac:cxnSpMkLst>
+        </pc:cxnChg>
+        <pc:cxnChg chg="add mod">
+          <ac:chgData name="Man Ping LI" userId="9a296d72e9c16694" providerId="LiveId" clId="{F69B6B5C-DB74-1B41-A67C-3F51A2451015}" dt="2022-10-21T19:18:56.596" v="32" actId="692"/>
+          <ac:cxnSpMkLst>
+            <pc:docMk/>
+            <pc:sldMk cId="1972806892" sldId="256"/>
+            <ac:cxnSpMk id="38" creationId="{FE9BF910-F7B0-5DA0-201C-1B4E4298E8F1}"/>
+          </ac:cxnSpMkLst>
+        </pc:cxnChg>
+        <pc:cxnChg chg="mod">
+          <ac:chgData name="Man Ping LI" userId="9a296d72e9c16694" providerId="LiveId" clId="{F69B6B5C-DB74-1B41-A67C-3F51A2451015}" dt="2022-10-21T19:16:05.240" v="3" actId="1076"/>
+          <ac:cxnSpMkLst>
+            <pc:docMk/>
+            <pc:sldMk cId="1972806892" sldId="256"/>
+            <ac:cxnSpMk id="39" creationId="{62BE97C2-8303-5315-2257-25D0043525D3}"/>
+          </ac:cxnSpMkLst>
+        </pc:cxnChg>
+        <pc:cxnChg chg="del mod">
+          <ac:chgData name="Man Ping LI" userId="9a296d72e9c16694" providerId="LiveId" clId="{F69B6B5C-DB74-1B41-A67C-3F51A2451015}" dt="2022-10-21T19:16:27.921" v="7" actId="478"/>
+          <ac:cxnSpMkLst>
+            <pc:docMk/>
+            <pc:sldMk cId="1972806892" sldId="256"/>
+            <ac:cxnSpMk id="42" creationId="{A7A4045D-5C7F-0B54-94F8-BBB971D87690}"/>
+          </ac:cxnSpMkLst>
+        </pc:cxnChg>
+        <pc:cxnChg chg="add mod">
+          <ac:chgData name="Man Ping LI" userId="9a296d72e9c16694" providerId="LiveId" clId="{F69B6B5C-DB74-1B41-A67C-3F51A2451015}" dt="2022-10-21T19:18:47.595" v="30" actId="692"/>
+          <ac:cxnSpMkLst>
+            <pc:docMk/>
+            <pc:sldMk cId="1972806892" sldId="256"/>
+            <ac:cxnSpMk id="44" creationId="{FFCEC94D-43C6-9CEB-54C2-A3CC36EAE832}"/>
+          </ac:cxnSpMkLst>
+        </pc:cxnChg>
+        <pc:cxnChg chg="add mod">
+          <ac:chgData name="Man Ping LI" userId="9a296d72e9c16694" providerId="LiveId" clId="{F69B6B5C-DB74-1B41-A67C-3F51A2451015}" dt="2022-10-21T19:18:43.095" v="29" actId="692"/>
+          <ac:cxnSpMkLst>
+            <pc:docMk/>
+            <pc:sldMk cId="1972806892" sldId="256"/>
+            <ac:cxnSpMk id="46" creationId="{6B00420F-7C2C-89F2-70E3-3441A22A73B0}"/>
+          </ac:cxnSpMkLst>
+        </pc:cxnChg>
+        <pc:cxnChg chg="mod">
+          <ac:chgData name="Man Ping LI" userId="9a296d72e9c16694" providerId="LiveId" clId="{F69B6B5C-DB74-1B41-A67C-3F51A2451015}" dt="2022-10-21T19:16:38.733" v="10" actId="1076"/>
+          <ac:cxnSpMkLst>
+            <pc:docMk/>
+            <pc:sldMk cId="1972806892" sldId="256"/>
+            <ac:cxnSpMk id="48" creationId="{1A031F0C-B445-32E3-DC59-130FA9ED560E}"/>
+          </ac:cxnSpMkLst>
+        </pc:cxnChg>
+        <pc:cxnChg chg="add mod">
+          <ac:chgData name="Man Ping LI" userId="9a296d72e9c16694" providerId="LiveId" clId="{F69B6B5C-DB74-1B41-A67C-3F51A2451015}" dt="2022-10-21T19:18:51.712" v="31" actId="692"/>
+          <ac:cxnSpMkLst>
+            <pc:docMk/>
+            <pc:sldMk cId="1972806892" sldId="256"/>
+            <ac:cxnSpMk id="53" creationId="{82365185-0A29-35BD-8AD6-CB5C90CB14C9}"/>
+          </ac:cxnSpMkLst>
+        </pc:cxnChg>
+        <pc:cxnChg chg="del mod">
+          <ac:chgData name="Man Ping LI" userId="9a296d72e9c16694" providerId="LiveId" clId="{F69B6B5C-DB74-1B41-A67C-3F51A2451015}" dt="2022-10-21T19:15:49.043" v="1" actId="478"/>
+          <ac:cxnSpMkLst>
+            <pc:docMk/>
+            <pc:sldMk cId="1972806892" sldId="256"/>
+            <ac:cxnSpMk id="59" creationId="{EE0133F3-29AD-1597-1469-D5131105E5BC}"/>
+          </ac:cxnSpMkLst>
+        </pc:cxnChg>
+        <pc:cxnChg chg="mod">
+          <ac:chgData name="Man Ping LI" userId="9a296d72e9c16694" providerId="LiveId" clId="{F69B6B5C-DB74-1B41-A67C-3F51A2451015}" dt="2022-10-21T19:15:47.868" v="0" actId="1076"/>
+          <ac:cxnSpMkLst>
+            <pc:docMk/>
+            <pc:sldMk cId="1972806892" sldId="256"/>
+            <ac:cxnSpMk id="62" creationId="{63833FBA-CF6D-12A1-1E94-E18405EC3C37}"/>
+          </ac:cxnSpMkLst>
+        </pc:cxnChg>
+      </pc:sldChg>
+    </pc:docChg>
+  </pc:docChgLst>
+</pc:chgInfo>
 </file>
 
 <file path=ppt/slideLayouts/slideLayout1.xml><?xml version="1.0" encoding="utf-8"?>
@@ -267,7 +464,7 @@
           <a:p>
             <a:fld id="{6D0E7609-1A7C-1E43-81AD-3B15F6EC7206}" type="datetimeFigureOut">
               <a:rPr lang="en-US" smtClean="0"/>
-              <a:t>10/20/22</a:t>
+              <a:t>10/21/22</a:t>
             </a:fld>
             <a:endParaRPr lang="en-US"/>
           </a:p>
@@ -465,7 +662,7 @@
           <a:p>
             <a:fld id="{6D0E7609-1A7C-1E43-81AD-3B15F6EC7206}" type="datetimeFigureOut">
               <a:rPr lang="en-US" smtClean="0"/>
-              <a:t>10/20/22</a:t>
+              <a:t>10/21/22</a:t>
             </a:fld>
             <a:endParaRPr lang="en-US"/>
           </a:p>
@@ -673,7 +870,7 @@
           <a:p>
             <a:fld id="{6D0E7609-1A7C-1E43-81AD-3B15F6EC7206}" type="datetimeFigureOut">
               <a:rPr lang="en-US" smtClean="0"/>
-              <a:t>10/20/22</a:t>
+              <a:t>10/21/22</a:t>
             </a:fld>
             <a:endParaRPr lang="en-US"/>
           </a:p>
@@ -871,7 +1068,7 @@
           <a:p>
             <a:fld id="{6D0E7609-1A7C-1E43-81AD-3B15F6EC7206}" type="datetimeFigureOut">
               <a:rPr lang="en-US" smtClean="0"/>
-              <a:t>10/20/22</a:t>
+              <a:t>10/21/22</a:t>
             </a:fld>
             <a:endParaRPr lang="en-US"/>
           </a:p>
@@ -1146,7 +1343,7 @@
           <a:p>
             <a:fld id="{6D0E7609-1A7C-1E43-81AD-3B15F6EC7206}" type="datetimeFigureOut">
               <a:rPr lang="en-US" smtClean="0"/>
-              <a:t>10/20/22</a:t>
+              <a:t>10/21/22</a:t>
             </a:fld>
             <a:endParaRPr lang="en-US"/>
           </a:p>
@@ -1411,7 +1608,7 @@
           <a:p>
             <a:fld id="{6D0E7609-1A7C-1E43-81AD-3B15F6EC7206}" type="datetimeFigureOut">
               <a:rPr lang="en-US" smtClean="0"/>
-              <a:t>10/20/22</a:t>
+              <a:t>10/21/22</a:t>
             </a:fld>
             <a:endParaRPr lang="en-US"/>
           </a:p>
@@ -1823,7 +2020,7 @@
           <a:p>
             <a:fld id="{6D0E7609-1A7C-1E43-81AD-3B15F6EC7206}" type="datetimeFigureOut">
               <a:rPr lang="en-US" smtClean="0"/>
-              <a:t>10/20/22</a:t>
+              <a:t>10/21/22</a:t>
             </a:fld>
             <a:endParaRPr lang="en-US"/>
           </a:p>
@@ -1964,7 +2161,7 @@
           <a:p>
             <a:fld id="{6D0E7609-1A7C-1E43-81AD-3B15F6EC7206}" type="datetimeFigureOut">
               <a:rPr lang="en-US" smtClean="0"/>
-              <a:t>10/20/22</a:t>
+              <a:t>10/21/22</a:t>
             </a:fld>
             <a:endParaRPr lang="en-US"/>
           </a:p>
@@ -2077,7 +2274,7 @@
           <a:p>
             <a:fld id="{6D0E7609-1A7C-1E43-81AD-3B15F6EC7206}" type="datetimeFigureOut">
               <a:rPr lang="en-US" smtClean="0"/>
-              <a:t>10/20/22</a:t>
+              <a:t>10/21/22</a:t>
             </a:fld>
             <a:endParaRPr lang="en-US"/>
           </a:p>
@@ -2388,7 +2585,7 @@
           <a:p>
             <a:fld id="{6D0E7609-1A7C-1E43-81AD-3B15F6EC7206}" type="datetimeFigureOut">
               <a:rPr lang="en-US" smtClean="0"/>
-              <a:t>10/20/22</a:t>
+              <a:t>10/21/22</a:t>
             </a:fld>
             <a:endParaRPr lang="en-US"/>
           </a:p>
@@ -2676,7 +2873,7 @@
           <a:p>
             <a:fld id="{6D0E7609-1A7C-1E43-81AD-3B15F6EC7206}" type="datetimeFigureOut">
               <a:rPr lang="en-US" smtClean="0"/>
-              <a:t>10/20/22</a:t>
+              <a:t>10/21/22</a:t>
             </a:fld>
             <a:endParaRPr lang="en-US"/>
           </a:p>
@@ -2917,7 +3114,7 @@
           <a:p>
             <a:fld id="{6D0E7609-1A7C-1E43-81AD-3B15F6EC7206}" type="datetimeFigureOut">
               <a:rPr lang="en-US" smtClean="0"/>
-              <a:t>10/20/22</a:t>
+              <a:t>10/21/22</a:t>
             </a:fld>
             <a:endParaRPr lang="en-US"/>
           </a:p>
@@ -3715,41 +3912,6 @@
       </p:sp>
       <p:sp>
         <p:nvSpPr>
-          <p:cNvPr id="19" name="TextBox 18">
-            <a:extLst>
-              <a:ext uri="{FF2B5EF4-FFF2-40B4-BE49-F238E27FC236}">
-                <a16:creationId xmlns:a16="http://schemas.microsoft.com/office/drawing/2014/main" id="{C671B9FB-B10D-5853-FC39-4560C395E64B}"/>
-              </a:ext>
-            </a:extLst>
-          </p:cNvPr>
-          <p:cNvSpPr txBox="1"/>
-          <p:nvPr/>
-        </p:nvSpPr>
-        <p:spPr>
-          <a:xfrm>
-            <a:off x="10231247" y="3100861"/>
-            <a:ext cx="1532238" cy="923330"/>
-          </a:xfrm>
-          <a:prstGeom prst="rect">
-            <a:avLst/>
-          </a:prstGeom>
-          <a:noFill/>
-        </p:spPr>
-        <p:txBody>
-          <a:bodyPr wrap="square" rtlCol="0">
-            <a:spAutoFit/>
-          </a:bodyPr>
-          <a:lstStyle/>
-          <a:p>
-            <a:r>
-              <a:rPr lang="en-US" dirty="0"/>
-              <a:t>JTA:number of Junit test assertions</a:t>
-            </a:r>
-          </a:p>
-        </p:txBody>
-      </p:sp>
-      <p:sp>
-        <p:nvSpPr>
           <p:cNvPr id="20" name="TextBox 19">
             <a:extLst>
               <a:ext uri="{FF2B5EF4-FFF2-40B4-BE49-F238E27FC236}">
@@ -3918,7 +4080,7 @@
         </p:nvSpPr>
         <p:spPr>
           <a:xfrm>
-            <a:off x="4105255" y="3580538"/>
+            <a:off x="6053405" y="5132187"/>
             <a:ext cx="647366" cy="369332"/>
           </a:xfrm>
           <a:prstGeom prst="rect">
@@ -3956,9 +4118,9 @@
           <p:nvPr/>
         </p:nvCxnSpPr>
         <p:spPr>
-          <a:xfrm flipH="1">
-            <a:off x="4428938" y="2307287"/>
-            <a:ext cx="620929" cy="1273251"/>
+          <a:xfrm>
+            <a:off x="5049867" y="2307287"/>
+            <a:ext cx="1327221" cy="2824900"/>
           </a:xfrm>
           <a:prstGeom prst="straightConnector1">
             <a:avLst/>
@@ -4068,49 +4230,6 @@
           </a:fontRef>
         </p:style>
       </p:cxnSp>
-      <p:cxnSp>
-        <p:nvCxnSpPr>
-          <p:cNvPr id="34" name="Straight Arrow Connector 33">
-            <a:extLst>
-              <a:ext uri="{FF2B5EF4-FFF2-40B4-BE49-F238E27FC236}">
-                <a16:creationId xmlns:a16="http://schemas.microsoft.com/office/drawing/2014/main" id="{55FB8443-B16F-B6BF-711E-A2BA778EAD97}"/>
-              </a:ext>
-            </a:extLst>
-          </p:cNvPr>
-          <p:cNvCxnSpPr>
-            <a:cxnSpLocks/>
-            <a:stCxn id="8" idx="2"/>
-            <a:endCxn id="19" idx="0"/>
-          </p:cNvCxnSpPr>
-          <p:nvPr/>
-        </p:nvCxnSpPr>
-        <p:spPr>
-          <a:xfrm>
-            <a:off x="10144897" y="2307287"/>
-            <a:ext cx="852469" cy="793574"/>
-          </a:xfrm>
-          <a:prstGeom prst="straightConnector1">
-            <a:avLst/>
-          </a:prstGeom>
-          <a:ln w="31750">
-            <a:tailEnd type="triangle"/>
-          </a:ln>
-        </p:spPr>
-        <p:style>
-          <a:lnRef idx="1">
-            <a:schemeClr val="accent1"/>
-          </a:lnRef>
-          <a:fillRef idx="0">
-            <a:schemeClr val="accent1"/>
-          </a:fillRef>
-          <a:effectRef idx="0">
-            <a:schemeClr val="accent1"/>
-          </a:effectRef>
-          <a:fontRef idx="minor">
-            <a:schemeClr val="tx1"/>
-          </a:fontRef>
-        </p:style>
-      </p:cxnSp>
       <p:sp>
         <p:nvSpPr>
           <p:cNvPr id="37" name="TextBox 36">
@@ -4125,7 +4244,7 @@
         </p:nvSpPr>
         <p:spPr>
           <a:xfrm>
-            <a:off x="5022210" y="3524442"/>
+            <a:off x="5518359" y="2670361"/>
             <a:ext cx="784363" cy="369332"/>
           </a:xfrm>
           <a:prstGeom prst="rect">
@@ -4165,7 +4284,7 @@
         <p:spPr>
           <a:xfrm>
             <a:off x="5049867" y="2307287"/>
-            <a:ext cx="364525" cy="1217155"/>
+            <a:ext cx="860674" cy="363074"/>
           </a:xfrm>
           <a:prstGeom prst="straightConnector1">
             <a:avLst/>
@@ -4203,7 +4322,7 @@
         </p:nvSpPr>
         <p:spPr>
           <a:xfrm>
-            <a:off x="8004015" y="3285527"/>
+            <a:off x="7457690" y="2855027"/>
             <a:ext cx="1532238" cy="923330"/>
           </a:xfrm>
           <a:prstGeom prst="rect">
@@ -4226,24 +4345,24 @@
       </p:sp>
       <p:cxnSp>
         <p:nvCxnSpPr>
-          <p:cNvPr id="13" name="Straight Arrow Connector 12">
-            <a:extLst>
-              <a:ext uri="{FF2B5EF4-FFF2-40B4-BE49-F238E27FC236}">
-                <a16:creationId xmlns:a16="http://schemas.microsoft.com/office/drawing/2014/main" id="{DC5A8EF8-4BBF-63C6-E777-D7A4D0230F65}"/>
+          <p:cNvPr id="48" name="Straight Arrow Connector 47">
+            <a:extLst>
+              <a:ext uri="{FF2B5EF4-FFF2-40B4-BE49-F238E27FC236}">
+                <a16:creationId xmlns:a16="http://schemas.microsoft.com/office/drawing/2014/main" id="{1A031F0C-B445-32E3-DC59-130FA9ED560E}"/>
               </a:ext>
             </a:extLst>
           </p:cNvPr>
           <p:cNvCxnSpPr>
             <a:cxnSpLocks/>
-            <a:stCxn id="8" idx="2"/>
+            <a:stCxn id="7" idx="2"/>
             <a:endCxn id="2" idx="0"/>
           </p:cNvCxnSpPr>
           <p:nvPr/>
         </p:nvCxnSpPr>
         <p:spPr>
-          <a:xfrm flipH="1">
-            <a:off x="8770134" y="2307287"/>
-            <a:ext cx="1374763" cy="978240"/>
+          <a:xfrm>
+            <a:off x="7309021" y="2168787"/>
+            <a:ext cx="914788" cy="686240"/>
           </a:xfrm>
           <a:prstGeom prst="straightConnector1">
             <a:avLst/>
@@ -4269,10 +4388,10 @@
       </p:cxnSp>
       <p:sp>
         <p:nvSpPr>
-          <p:cNvPr id="41" name="TextBox 40">
-            <a:extLst>
-              <a:ext uri="{FF2B5EF4-FFF2-40B4-BE49-F238E27FC236}">
-                <a16:creationId xmlns:a16="http://schemas.microsoft.com/office/drawing/2014/main" id="{DC717E4B-F78E-682C-55B7-3A79E8263304}"/>
+          <p:cNvPr id="52" name="TextBox 51">
+            <a:extLst>
+              <a:ext uri="{FF2B5EF4-FFF2-40B4-BE49-F238E27FC236}">
+                <a16:creationId xmlns:a16="http://schemas.microsoft.com/office/drawing/2014/main" id="{C1FEB23B-3427-A831-6EED-306A6F9BAED5}"/>
               </a:ext>
             </a:extLst>
           </p:cNvPr>
@@ -4281,8 +4400,8 @@
         </p:nvSpPr>
         <p:spPr>
           <a:xfrm>
-            <a:off x="6314303" y="3247443"/>
-            <a:ext cx="1532238" cy="923330"/>
+            <a:off x="2101787" y="4662101"/>
+            <a:ext cx="1750541" cy="646331"/>
           </a:xfrm>
           <a:prstGeom prst="rect">
             <a:avLst/>
@@ -4290,46 +4409,38 @@
           <a:noFill/>
         </p:spPr>
         <p:txBody>
-          <a:bodyPr wrap="square" rtlCol="0">
+          <a:bodyPr wrap="square">
             <a:spAutoFit/>
           </a:bodyPr>
           <a:lstStyle/>
           <a:p>
             <a:r>
               <a:rPr lang="en-US" dirty="0"/>
-              <a:t>Instability</a:t>
-            </a:r>
-            <a:r>
-              <a:rPr lang="en-CA" dirty="0"/>
-              <a:t>:</a:t>
-            </a:r>
-            <a:r>
-              <a:rPr lang="en-US" dirty="0"/>
-              <a:t> range of [0,1]. Ce/(Ca+Ce)</a:t>
+              <a:t>v(G): Cyclomatic complexity</a:t>
             </a:r>
           </a:p>
         </p:txBody>
       </p:sp>
       <p:cxnSp>
         <p:nvCxnSpPr>
-          <p:cNvPr id="42" name="Straight Arrow Connector 41">
-            <a:extLst>
-              <a:ext uri="{FF2B5EF4-FFF2-40B4-BE49-F238E27FC236}">
-                <a16:creationId xmlns:a16="http://schemas.microsoft.com/office/drawing/2014/main" id="{A7A4045D-5C7F-0B54-94F8-BBB971D87690}"/>
+          <p:cNvPr id="62" name="Straight Arrow Connector 61">
+            <a:extLst>
+              <a:ext uri="{FF2B5EF4-FFF2-40B4-BE49-F238E27FC236}">
+                <a16:creationId xmlns:a16="http://schemas.microsoft.com/office/drawing/2014/main" id="{63833FBA-CF6D-12A1-1E94-E18405EC3C37}"/>
               </a:ext>
             </a:extLst>
           </p:cNvPr>
           <p:cNvCxnSpPr>
             <a:cxnSpLocks/>
-            <a:stCxn id="7" idx="2"/>
-            <a:endCxn id="41" idx="0"/>
+            <a:stCxn id="5" idx="2"/>
+            <a:endCxn id="52" idx="0"/>
           </p:cNvCxnSpPr>
           <p:nvPr/>
         </p:nvCxnSpPr>
         <p:spPr>
-          <a:xfrm flipH="1">
-            <a:off x="7080422" y="2168787"/>
-            <a:ext cx="228599" cy="1078656"/>
+          <a:xfrm>
+            <a:off x="2174789" y="2307287"/>
+            <a:ext cx="802269" cy="2354814"/>
           </a:xfrm>
           <a:prstGeom prst="straightConnector1">
             <a:avLst/>
@@ -4355,24 +4466,23 @@
       </p:cxnSp>
       <p:cxnSp>
         <p:nvCxnSpPr>
-          <p:cNvPr id="48" name="Straight Arrow Connector 47">
-            <a:extLst>
-              <a:ext uri="{FF2B5EF4-FFF2-40B4-BE49-F238E27FC236}">
-                <a16:creationId xmlns:a16="http://schemas.microsoft.com/office/drawing/2014/main" id="{1A031F0C-B445-32E3-DC59-130FA9ED560E}"/>
+          <p:cNvPr id="22" name="Straight Arrow Connector 21">
+            <a:extLst>
+              <a:ext uri="{FF2B5EF4-FFF2-40B4-BE49-F238E27FC236}">
+                <a16:creationId xmlns:a16="http://schemas.microsoft.com/office/drawing/2014/main" id="{C7AB4BC3-6003-6DE0-34F4-81420AD4F5DC}"/>
               </a:ext>
             </a:extLst>
           </p:cNvPr>
           <p:cNvCxnSpPr>
-            <a:cxnSpLocks/>
             <a:stCxn id="7" idx="2"/>
-            <a:endCxn id="2" idx="0"/>
+            <a:endCxn id="37" idx="0"/>
           </p:cNvCxnSpPr>
           <p:nvPr/>
         </p:nvCxnSpPr>
         <p:spPr>
-          <a:xfrm>
-            <a:off x="7309021" y="2168787"/>
-            <a:ext cx="1461113" cy="1116740"/>
+          <a:xfrm flipH="1">
+            <a:off x="5910541" y="2168787"/>
+            <a:ext cx="1398480" cy="501574"/>
           </a:xfrm>
           <a:prstGeom prst="straightConnector1">
             <a:avLst/>
@@ -4398,10 +4508,10 @@
       </p:cxnSp>
       <p:sp>
         <p:nvSpPr>
-          <p:cNvPr id="52" name="TextBox 51">
-            <a:extLst>
-              <a:ext uri="{FF2B5EF4-FFF2-40B4-BE49-F238E27FC236}">
-                <a16:creationId xmlns:a16="http://schemas.microsoft.com/office/drawing/2014/main" id="{C1FEB23B-3427-A831-6EED-306A6F9BAED5}"/>
+          <p:cNvPr id="31" name="TextBox 30">
+            <a:extLst>
+              <a:ext uri="{FF2B5EF4-FFF2-40B4-BE49-F238E27FC236}">
+                <a16:creationId xmlns:a16="http://schemas.microsoft.com/office/drawing/2014/main" id="{F2043878-2F25-134B-9F3B-674B90D038B6}"/>
               </a:ext>
             </a:extLst>
           </p:cNvPr>
@@ -4410,8 +4520,8 @@
         </p:nvSpPr>
         <p:spPr>
           <a:xfrm>
-            <a:off x="3989172" y="5077600"/>
-            <a:ext cx="1750541" cy="646331"/>
+            <a:off x="6524367" y="4024191"/>
+            <a:ext cx="1006299" cy="369332"/>
           </a:xfrm>
           <a:prstGeom prst="rect">
             <a:avLst/>
@@ -4419,38 +4529,37 @@
           <a:noFill/>
         </p:spPr>
         <p:txBody>
-          <a:bodyPr wrap="square">
+          <a:bodyPr wrap="square" rtlCol="0">
             <a:spAutoFit/>
           </a:bodyPr>
           <a:lstStyle/>
           <a:p>
             <a:r>
               <a:rPr lang="en-US" dirty="0"/>
-              <a:t>v(G): Cyclomatic complexity</a:t>
+              <a:t>NOC</a:t>
             </a:r>
           </a:p>
         </p:txBody>
       </p:sp>
       <p:cxnSp>
         <p:nvCxnSpPr>
-          <p:cNvPr id="59" name="Straight Arrow Connector 58">
-            <a:extLst>
-              <a:ext uri="{FF2B5EF4-FFF2-40B4-BE49-F238E27FC236}">
-                <a16:creationId xmlns:a16="http://schemas.microsoft.com/office/drawing/2014/main" id="{EE0133F3-29AD-1597-1469-D5131105E5BC}"/>
+          <p:cNvPr id="35" name="Straight Arrow Connector 34">
+            <a:extLst>
+              <a:ext uri="{FF2B5EF4-FFF2-40B4-BE49-F238E27FC236}">
+                <a16:creationId xmlns:a16="http://schemas.microsoft.com/office/drawing/2014/main" id="{25C28540-545C-B7D6-FFFC-BDE3967FB0B6}"/>
               </a:ext>
             </a:extLst>
           </p:cNvPr>
           <p:cNvCxnSpPr>
-            <a:cxnSpLocks/>
-            <a:stCxn id="7" idx="2"/>
-            <a:endCxn id="52" idx="0"/>
+            <a:stCxn id="6" idx="2"/>
+            <a:endCxn id="31" idx="1"/>
           </p:cNvCxnSpPr>
           <p:nvPr/>
         </p:nvCxnSpPr>
         <p:spPr>
-          <a:xfrm flipH="1">
-            <a:off x="4864443" y="2168787"/>
-            <a:ext cx="2444578" cy="2908813"/>
+          <a:xfrm>
+            <a:off x="5049867" y="2307287"/>
+            <a:ext cx="1474500" cy="1901570"/>
           </a:xfrm>
           <a:prstGeom prst="straightConnector1">
             <a:avLst/>
@@ -4476,24 +4585,184 @@
       </p:cxnSp>
       <p:cxnSp>
         <p:nvCxnSpPr>
-          <p:cNvPr id="62" name="Straight Arrow Connector 61">
-            <a:extLst>
-              <a:ext uri="{FF2B5EF4-FFF2-40B4-BE49-F238E27FC236}">
-                <a16:creationId xmlns:a16="http://schemas.microsoft.com/office/drawing/2014/main" id="{63833FBA-CF6D-12A1-1E94-E18405EC3C37}"/>
+          <p:cNvPr id="38" name="Straight Arrow Connector 37">
+            <a:extLst>
+              <a:ext uri="{FF2B5EF4-FFF2-40B4-BE49-F238E27FC236}">
+                <a16:creationId xmlns:a16="http://schemas.microsoft.com/office/drawing/2014/main" id="{FE9BF910-F7B0-5DA0-201C-1B4E4298E8F1}"/>
               </a:ext>
             </a:extLst>
           </p:cNvPr>
           <p:cNvCxnSpPr>
-            <a:cxnSpLocks/>
-            <a:stCxn id="5" idx="2"/>
-            <a:endCxn id="52" idx="0"/>
+            <a:stCxn id="8" idx="2"/>
+            <a:endCxn id="31" idx="3"/>
           </p:cNvCxnSpPr>
           <p:nvPr/>
         </p:nvCxnSpPr>
         <p:spPr>
+          <a:xfrm flipH="1">
+            <a:off x="7530666" y="2307287"/>
+            <a:ext cx="2614231" cy="1901570"/>
+          </a:xfrm>
+          <a:prstGeom prst="straightConnector1">
+            <a:avLst/>
+          </a:prstGeom>
+          <a:ln w="31750">
+            <a:tailEnd type="triangle"/>
+          </a:ln>
+        </p:spPr>
+        <p:style>
+          <a:lnRef idx="1">
+            <a:schemeClr val="accent1"/>
+          </a:lnRef>
+          <a:fillRef idx="0">
+            <a:schemeClr val="accent1"/>
+          </a:fillRef>
+          <a:effectRef idx="0">
+            <a:schemeClr val="accent1"/>
+          </a:effectRef>
+          <a:fontRef idx="minor">
+            <a:schemeClr val="tx1"/>
+          </a:fontRef>
+        </p:style>
+      </p:cxnSp>
+      <p:sp>
+        <p:nvSpPr>
+          <p:cNvPr id="40" name="TextBox 39">
+            <a:extLst>
+              <a:ext uri="{FF2B5EF4-FFF2-40B4-BE49-F238E27FC236}">
+                <a16:creationId xmlns:a16="http://schemas.microsoft.com/office/drawing/2014/main" id="{035A5DDB-34B8-D20D-C9CA-2663EF09E8DE}"/>
+              </a:ext>
+            </a:extLst>
+          </p:cNvPr>
+          <p:cNvSpPr txBox="1"/>
+          <p:nvPr/>
+        </p:nvSpPr>
+        <p:spPr>
+          <a:xfrm>
+            <a:off x="6700771" y="6211441"/>
+            <a:ext cx="536878" cy="369332"/>
+          </a:xfrm>
+          <a:prstGeom prst="rect">
+            <a:avLst/>
+          </a:prstGeom>
+          <a:noFill/>
+        </p:spPr>
+        <p:txBody>
+          <a:bodyPr wrap="none" rtlCol="0">
+            <a:spAutoFit/>
+          </a:bodyPr>
+          <a:lstStyle/>
+          <a:p>
+            <a:r>
+              <a:rPr lang="en-US" dirty="0"/>
+              <a:t>RFC</a:t>
+            </a:r>
+          </a:p>
+        </p:txBody>
+      </p:sp>
+      <p:cxnSp>
+        <p:nvCxnSpPr>
+          <p:cNvPr id="44" name="Straight Arrow Connector 43">
+            <a:extLst>
+              <a:ext uri="{FF2B5EF4-FFF2-40B4-BE49-F238E27FC236}">
+                <a16:creationId xmlns:a16="http://schemas.microsoft.com/office/drawing/2014/main" id="{FFCEC94D-43C6-9CEB-54C2-A3CC36EAE832}"/>
+              </a:ext>
+            </a:extLst>
+          </p:cNvPr>
+          <p:cNvCxnSpPr>
+            <a:stCxn id="8" idx="2"/>
+            <a:endCxn id="40" idx="3"/>
+          </p:cNvCxnSpPr>
+          <p:nvPr/>
+        </p:nvCxnSpPr>
+        <p:spPr>
+          <a:xfrm flipH="1">
+            <a:off x="7237649" y="2307287"/>
+            <a:ext cx="2907248" cy="4088820"/>
+          </a:xfrm>
+          <a:prstGeom prst="straightConnector1">
+            <a:avLst/>
+          </a:prstGeom>
+          <a:ln w="31750">
+            <a:tailEnd type="triangle"/>
+          </a:ln>
+        </p:spPr>
+        <p:style>
+          <a:lnRef idx="1">
+            <a:schemeClr val="accent1"/>
+          </a:lnRef>
+          <a:fillRef idx="0">
+            <a:schemeClr val="accent1"/>
+          </a:fillRef>
+          <a:effectRef idx="0">
+            <a:schemeClr val="accent1"/>
+          </a:effectRef>
+          <a:fontRef idx="minor">
+            <a:schemeClr val="tx1"/>
+          </a:fontRef>
+        </p:style>
+      </p:cxnSp>
+      <p:cxnSp>
+        <p:nvCxnSpPr>
+          <p:cNvPr id="46" name="Straight Arrow Connector 45">
+            <a:extLst>
+              <a:ext uri="{FF2B5EF4-FFF2-40B4-BE49-F238E27FC236}">
+                <a16:creationId xmlns:a16="http://schemas.microsoft.com/office/drawing/2014/main" id="{6B00420F-7C2C-89F2-70E3-3441A22A73B0}"/>
+              </a:ext>
+            </a:extLst>
+          </p:cNvPr>
+          <p:cNvCxnSpPr>
+            <a:stCxn id="5" idx="2"/>
+            <a:endCxn id="40" idx="1"/>
+          </p:cNvCxnSpPr>
+          <p:nvPr/>
+        </p:nvCxnSpPr>
+        <p:spPr>
           <a:xfrm>
             <a:off x="2174789" y="2307287"/>
-            <a:ext cx="2689654" cy="2770313"/>
+            <a:ext cx="4525982" cy="4088820"/>
+          </a:xfrm>
+          <a:prstGeom prst="straightConnector1">
+            <a:avLst/>
+          </a:prstGeom>
+          <a:ln w="31750">
+            <a:tailEnd type="triangle"/>
+          </a:ln>
+        </p:spPr>
+        <p:style>
+          <a:lnRef idx="1">
+            <a:schemeClr val="accent1"/>
+          </a:lnRef>
+          <a:fillRef idx="0">
+            <a:schemeClr val="accent1"/>
+          </a:fillRef>
+          <a:effectRef idx="0">
+            <a:schemeClr val="accent1"/>
+          </a:effectRef>
+          <a:fontRef idx="minor">
+            <a:schemeClr val="tx1"/>
+          </a:fontRef>
+        </p:style>
+      </p:cxnSp>
+      <p:cxnSp>
+        <p:nvCxnSpPr>
+          <p:cNvPr id="53" name="Straight Arrow Connector 52">
+            <a:extLst>
+              <a:ext uri="{FF2B5EF4-FFF2-40B4-BE49-F238E27FC236}">
+                <a16:creationId xmlns:a16="http://schemas.microsoft.com/office/drawing/2014/main" id="{82365185-0A29-35BD-8AD6-CB5C90CB14C9}"/>
+              </a:ext>
+            </a:extLst>
+          </p:cNvPr>
+          <p:cNvCxnSpPr>
+            <a:stCxn id="8" idx="2"/>
+            <a:endCxn id="26" idx="3"/>
+          </p:cNvCxnSpPr>
+          <p:nvPr/>
+        </p:nvCxnSpPr>
+        <p:spPr>
+          <a:xfrm flipH="1">
+            <a:off x="6700771" y="2307287"/>
+            <a:ext cx="3444126" cy="3009566"/>
           </a:xfrm>
           <a:prstGeom prst="straightConnector1">
             <a:avLst/>

--- a/devoir2/WenhaoXU_20150702_ManpingLI_968527/GQM plan.pptx
+++ b/devoir2/WenhaoXU_20150702_ManpingLI_968527/GQM plan.pptx
@@ -6,6 +6,7 @@
   </p:sldMasterIdLst>
   <p:sldIdLst>
     <p:sldId id="256" r:id="rId2"/>
+    <p:sldId id="257" r:id="rId3"/>
   </p:sldIdLst>
   <p:sldSz cx="12192000" cy="6858000"/>
   <p:notesSz cx="6858000" cy="9144000"/>
@@ -115,206 +116,9 @@
 <file path=ppt/revisionInfo.xml><?xml version="1.0" encoding="utf-8"?>
 <p1510:revInfo xmlns:a="http://schemas.openxmlformats.org/drawingml/2006/main" xmlns:r="http://schemas.openxmlformats.org/officeDocument/2006/relationships" xmlns:p1510="http://schemas.microsoft.com/office/powerpoint/2015/10/main">
   <p1510:revLst>
-    <p1510:client id="{F69B6B5C-DB74-1B41-A67C-3F51A2451015}" v="10" dt="2022-10-21T19:17:35.713"/>
+    <p1510:client id="{F69B6B5C-DB74-1B41-A67C-3F51A2451015}" v="8" dt="2022-10-20T03:11:35.379"/>
   </p1510:revLst>
 </p1510:revInfo>
-</file>
-
-<file path=ppt/changesInfos/changesInfo1.xml><?xml version="1.0" encoding="utf-8"?>
-<pc:chgInfo xmlns:a="http://schemas.openxmlformats.org/drawingml/2006/main" xmlns:r="http://schemas.openxmlformats.org/officeDocument/2006/relationships" xmlns:ac="http://schemas.microsoft.com/office/drawing/2013/main/command" xmlns:pc="http://schemas.microsoft.com/office/powerpoint/2013/main/command">
-  <pc:docChgLst>
-    <pc:chgData name="Man Ping LI" userId="9a296d72e9c16694" providerId="LiveId" clId="{F69B6B5C-DB74-1B41-A67C-3F51A2451015}"/>
-    <pc:docChg chg="custSel modSld">
-      <pc:chgData name="Man Ping LI" userId="9a296d72e9c16694" providerId="LiveId" clId="{F69B6B5C-DB74-1B41-A67C-3F51A2451015}" dt="2022-10-21T19:19:01.246" v="33" actId="692"/>
-      <pc:docMkLst>
-        <pc:docMk/>
-      </pc:docMkLst>
-      <pc:sldChg chg="addSp delSp modSp mod">
-        <pc:chgData name="Man Ping LI" userId="9a296d72e9c16694" providerId="LiveId" clId="{F69B6B5C-DB74-1B41-A67C-3F51A2451015}" dt="2022-10-21T19:19:01.246" v="33" actId="692"/>
-        <pc:sldMkLst>
-          <pc:docMk/>
-          <pc:sldMk cId="1972806892" sldId="256"/>
-        </pc:sldMkLst>
-        <pc:spChg chg="mod">
-          <ac:chgData name="Man Ping LI" userId="9a296d72e9c16694" providerId="LiveId" clId="{F69B6B5C-DB74-1B41-A67C-3F51A2451015}" dt="2022-10-21T19:16:38.733" v="10" actId="1076"/>
-          <ac:spMkLst>
-            <pc:docMk/>
-            <pc:sldMk cId="1972806892" sldId="256"/>
-            <ac:spMk id="2" creationId="{9BABC095-E70C-C911-94C8-1DE0DE963E53}"/>
-          </ac:spMkLst>
-        </pc:spChg>
-        <pc:spChg chg="del">
-          <ac:chgData name="Man Ping LI" userId="9a296d72e9c16694" providerId="LiveId" clId="{F69B6B5C-DB74-1B41-A67C-3F51A2451015}" dt="2022-10-21T19:17:28.042" v="18" actId="478"/>
-          <ac:spMkLst>
-            <pc:docMk/>
-            <pc:sldMk cId="1972806892" sldId="256"/>
-            <ac:spMk id="19" creationId="{C671B9FB-B10D-5853-FC39-4560C395E64B}"/>
-          </ac:spMkLst>
-        </pc:spChg>
-        <pc:spChg chg="mod">
-          <ac:chgData name="Man Ping LI" userId="9a296d72e9c16694" providerId="LiveId" clId="{F69B6B5C-DB74-1B41-A67C-3F51A2451015}" dt="2022-10-21T19:18:19.842" v="27" actId="1076"/>
-          <ac:spMkLst>
-            <pc:docMk/>
-            <pc:sldMk cId="1972806892" sldId="256"/>
-            <ac:spMk id="26" creationId="{5E42ABF8-E29C-867B-01C6-69E7A43A1E14}"/>
-          </ac:spMkLst>
-        </pc:spChg>
-        <pc:spChg chg="add mod">
-          <ac:chgData name="Man Ping LI" userId="9a296d72e9c16694" providerId="LiveId" clId="{F69B6B5C-DB74-1B41-A67C-3F51A2451015}" dt="2022-10-21T19:16:59.537" v="15" actId="1076"/>
-          <ac:spMkLst>
-            <pc:docMk/>
-            <pc:sldMk cId="1972806892" sldId="256"/>
-            <ac:spMk id="31" creationId="{F2043878-2F25-134B-9F3B-674B90D038B6}"/>
-          </ac:spMkLst>
-        </pc:spChg>
-        <pc:spChg chg="mod">
-          <ac:chgData name="Man Ping LI" userId="9a296d72e9c16694" providerId="LiveId" clId="{F69B6B5C-DB74-1B41-A67C-3F51A2451015}" dt="2022-10-21T19:16:05.240" v="3" actId="1076"/>
-          <ac:spMkLst>
-            <pc:docMk/>
-            <pc:sldMk cId="1972806892" sldId="256"/>
-            <ac:spMk id="37" creationId="{1730D25F-9A0D-06B3-90D8-C34EA8F74E3B}"/>
-          </ac:spMkLst>
-        </pc:spChg>
-        <pc:spChg chg="add mod">
-          <ac:chgData name="Man Ping LI" userId="9a296d72e9c16694" providerId="LiveId" clId="{F69B6B5C-DB74-1B41-A67C-3F51A2451015}" dt="2022-10-21T19:18:16.661" v="26" actId="1076"/>
-          <ac:spMkLst>
-            <pc:docMk/>
-            <pc:sldMk cId="1972806892" sldId="256"/>
-            <ac:spMk id="40" creationId="{035A5DDB-34B8-D20D-C9CA-2663EF09E8DE}"/>
-          </ac:spMkLst>
-        </pc:spChg>
-        <pc:spChg chg="del">
-          <ac:chgData name="Man Ping LI" userId="9a296d72e9c16694" providerId="LiveId" clId="{F69B6B5C-DB74-1B41-A67C-3F51A2451015}" dt="2022-10-21T19:16:26.459" v="6" actId="478"/>
-          <ac:spMkLst>
-            <pc:docMk/>
-            <pc:sldMk cId="1972806892" sldId="256"/>
-            <ac:spMk id="41" creationId="{DC717E4B-F78E-682C-55B7-3A79E8263304}"/>
-          </ac:spMkLst>
-        </pc:spChg>
-        <pc:spChg chg="mod">
-          <ac:chgData name="Man Ping LI" userId="9a296d72e9c16694" providerId="LiveId" clId="{F69B6B5C-DB74-1B41-A67C-3F51A2451015}" dt="2022-10-21T19:15:47.868" v="0" actId="1076"/>
-          <ac:spMkLst>
-            <pc:docMk/>
-            <pc:sldMk cId="1972806892" sldId="256"/>
-            <ac:spMk id="52" creationId="{C1FEB23B-3427-A831-6EED-306A6F9BAED5}"/>
-          </ac:spMkLst>
-        </pc:spChg>
-        <pc:cxnChg chg="del mod">
-          <ac:chgData name="Man Ping LI" userId="9a296d72e9c16694" providerId="LiveId" clId="{F69B6B5C-DB74-1B41-A67C-3F51A2451015}" dt="2022-10-21T19:16:35.954" v="9" actId="478"/>
-          <ac:cxnSpMkLst>
-            <pc:docMk/>
-            <pc:sldMk cId="1972806892" sldId="256"/>
-            <ac:cxnSpMk id="13" creationId="{DC5A8EF8-4BBF-63C6-E777-D7A4D0230F65}"/>
-          </ac:cxnSpMkLst>
-        </pc:cxnChg>
-        <pc:cxnChg chg="add mod">
-          <ac:chgData name="Man Ping LI" userId="9a296d72e9c16694" providerId="LiveId" clId="{F69B6B5C-DB74-1B41-A67C-3F51A2451015}" dt="2022-10-21T19:16:19.503" v="5" actId="692"/>
-          <ac:cxnSpMkLst>
-            <pc:docMk/>
-            <pc:sldMk cId="1972806892" sldId="256"/>
-            <ac:cxnSpMk id="22" creationId="{C7AB4BC3-6003-6DE0-34F4-81420AD4F5DC}"/>
-          </ac:cxnSpMkLst>
-        </pc:cxnChg>
-        <pc:cxnChg chg="mod">
-          <ac:chgData name="Man Ping LI" userId="9a296d72e9c16694" providerId="LiveId" clId="{F69B6B5C-DB74-1B41-A67C-3F51A2451015}" dt="2022-10-21T19:18:19.842" v="27" actId="1076"/>
-          <ac:cxnSpMkLst>
-            <pc:docMk/>
-            <pc:sldMk cId="1972806892" sldId="256"/>
-            <ac:cxnSpMk id="28" creationId="{EC3F9BFE-3A38-1844-6D72-421D5403A1B3}"/>
-          </ac:cxnSpMkLst>
-        </pc:cxnChg>
-        <pc:cxnChg chg="del mod">
-          <ac:chgData name="Man Ping LI" userId="9a296d72e9c16694" providerId="LiveId" clId="{F69B6B5C-DB74-1B41-A67C-3F51A2451015}" dt="2022-10-21T19:17:30.053" v="19" actId="478"/>
-          <ac:cxnSpMkLst>
-            <pc:docMk/>
-            <pc:sldMk cId="1972806892" sldId="256"/>
-            <ac:cxnSpMk id="34" creationId="{55FB8443-B16F-B6BF-711E-A2BA778EAD97}"/>
-          </ac:cxnSpMkLst>
-        </pc:cxnChg>
-        <pc:cxnChg chg="add mod">
-          <ac:chgData name="Man Ping LI" userId="9a296d72e9c16694" providerId="LiveId" clId="{F69B6B5C-DB74-1B41-A67C-3F51A2451015}" dt="2022-10-21T19:19:01.246" v="33" actId="692"/>
-          <ac:cxnSpMkLst>
-            <pc:docMk/>
-            <pc:sldMk cId="1972806892" sldId="256"/>
-            <ac:cxnSpMk id="35" creationId="{25C28540-545C-B7D6-FFFC-BDE3967FB0B6}"/>
-          </ac:cxnSpMkLst>
-        </pc:cxnChg>
-        <pc:cxnChg chg="add mod">
-          <ac:chgData name="Man Ping LI" userId="9a296d72e9c16694" providerId="LiveId" clId="{F69B6B5C-DB74-1B41-A67C-3F51A2451015}" dt="2022-10-21T19:18:56.596" v="32" actId="692"/>
-          <ac:cxnSpMkLst>
-            <pc:docMk/>
-            <pc:sldMk cId="1972806892" sldId="256"/>
-            <ac:cxnSpMk id="38" creationId="{FE9BF910-F7B0-5DA0-201C-1B4E4298E8F1}"/>
-          </ac:cxnSpMkLst>
-        </pc:cxnChg>
-        <pc:cxnChg chg="mod">
-          <ac:chgData name="Man Ping LI" userId="9a296d72e9c16694" providerId="LiveId" clId="{F69B6B5C-DB74-1B41-A67C-3F51A2451015}" dt="2022-10-21T19:16:05.240" v="3" actId="1076"/>
-          <ac:cxnSpMkLst>
-            <pc:docMk/>
-            <pc:sldMk cId="1972806892" sldId="256"/>
-            <ac:cxnSpMk id="39" creationId="{62BE97C2-8303-5315-2257-25D0043525D3}"/>
-          </ac:cxnSpMkLst>
-        </pc:cxnChg>
-        <pc:cxnChg chg="del mod">
-          <ac:chgData name="Man Ping LI" userId="9a296d72e9c16694" providerId="LiveId" clId="{F69B6B5C-DB74-1B41-A67C-3F51A2451015}" dt="2022-10-21T19:16:27.921" v="7" actId="478"/>
-          <ac:cxnSpMkLst>
-            <pc:docMk/>
-            <pc:sldMk cId="1972806892" sldId="256"/>
-            <ac:cxnSpMk id="42" creationId="{A7A4045D-5C7F-0B54-94F8-BBB971D87690}"/>
-          </ac:cxnSpMkLst>
-        </pc:cxnChg>
-        <pc:cxnChg chg="add mod">
-          <ac:chgData name="Man Ping LI" userId="9a296d72e9c16694" providerId="LiveId" clId="{F69B6B5C-DB74-1B41-A67C-3F51A2451015}" dt="2022-10-21T19:18:47.595" v="30" actId="692"/>
-          <ac:cxnSpMkLst>
-            <pc:docMk/>
-            <pc:sldMk cId="1972806892" sldId="256"/>
-            <ac:cxnSpMk id="44" creationId="{FFCEC94D-43C6-9CEB-54C2-A3CC36EAE832}"/>
-          </ac:cxnSpMkLst>
-        </pc:cxnChg>
-        <pc:cxnChg chg="add mod">
-          <ac:chgData name="Man Ping LI" userId="9a296d72e9c16694" providerId="LiveId" clId="{F69B6B5C-DB74-1B41-A67C-3F51A2451015}" dt="2022-10-21T19:18:43.095" v="29" actId="692"/>
-          <ac:cxnSpMkLst>
-            <pc:docMk/>
-            <pc:sldMk cId="1972806892" sldId="256"/>
-            <ac:cxnSpMk id="46" creationId="{6B00420F-7C2C-89F2-70E3-3441A22A73B0}"/>
-          </ac:cxnSpMkLst>
-        </pc:cxnChg>
-        <pc:cxnChg chg="mod">
-          <ac:chgData name="Man Ping LI" userId="9a296d72e9c16694" providerId="LiveId" clId="{F69B6B5C-DB74-1B41-A67C-3F51A2451015}" dt="2022-10-21T19:16:38.733" v="10" actId="1076"/>
-          <ac:cxnSpMkLst>
-            <pc:docMk/>
-            <pc:sldMk cId="1972806892" sldId="256"/>
-            <ac:cxnSpMk id="48" creationId="{1A031F0C-B445-32E3-DC59-130FA9ED560E}"/>
-          </ac:cxnSpMkLst>
-        </pc:cxnChg>
-        <pc:cxnChg chg="add mod">
-          <ac:chgData name="Man Ping LI" userId="9a296d72e9c16694" providerId="LiveId" clId="{F69B6B5C-DB74-1B41-A67C-3F51A2451015}" dt="2022-10-21T19:18:51.712" v="31" actId="692"/>
-          <ac:cxnSpMkLst>
-            <pc:docMk/>
-            <pc:sldMk cId="1972806892" sldId="256"/>
-            <ac:cxnSpMk id="53" creationId="{82365185-0A29-35BD-8AD6-CB5C90CB14C9}"/>
-          </ac:cxnSpMkLst>
-        </pc:cxnChg>
-        <pc:cxnChg chg="del mod">
-          <ac:chgData name="Man Ping LI" userId="9a296d72e9c16694" providerId="LiveId" clId="{F69B6B5C-DB74-1B41-A67C-3F51A2451015}" dt="2022-10-21T19:15:49.043" v="1" actId="478"/>
-          <ac:cxnSpMkLst>
-            <pc:docMk/>
-            <pc:sldMk cId="1972806892" sldId="256"/>
-            <ac:cxnSpMk id="59" creationId="{EE0133F3-29AD-1597-1469-D5131105E5BC}"/>
-          </ac:cxnSpMkLst>
-        </pc:cxnChg>
-        <pc:cxnChg chg="mod">
-          <ac:chgData name="Man Ping LI" userId="9a296d72e9c16694" providerId="LiveId" clId="{F69B6B5C-DB74-1B41-A67C-3F51A2451015}" dt="2022-10-21T19:15:47.868" v="0" actId="1076"/>
-          <ac:cxnSpMkLst>
-            <pc:docMk/>
-            <pc:sldMk cId="1972806892" sldId="256"/>
-            <ac:cxnSpMk id="62" creationId="{63833FBA-CF6D-12A1-1E94-E18405EC3C37}"/>
-          </ac:cxnSpMkLst>
-        </pc:cxnChg>
-      </pc:sldChg>
-    </pc:docChg>
-  </pc:docChgLst>
-</pc:chgInfo>
 </file>
 
 <file path=ppt/slideLayouts/slideLayout1.xml><?xml version="1.0" encoding="utf-8"?>
@@ -3545,7 +3349,7 @@
         </p:nvSpPr>
         <p:spPr>
           <a:xfrm>
-            <a:off x="4510216" y="630194"/>
+            <a:off x="4866503" y="613796"/>
             <a:ext cx="2458994" cy="369332"/>
           </a:xfrm>
           <a:prstGeom prst="rect">
@@ -3723,8 +3527,8 @@
         </p:nvCxnSpPr>
         <p:spPr>
           <a:xfrm flipH="1">
-            <a:off x="2174789" y="999526"/>
-            <a:ext cx="3564924" cy="384431"/>
+            <a:off x="2174789" y="983128"/>
+            <a:ext cx="3921211" cy="400829"/>
           </a:xfrm>
           <a:prstGeom prst="straightConnector1">
             <a:avLst/>
@@ -3766,8 +3570,8 @@
         </p:nvCxnSpPr>
         <p:spPr>
           <a:xfrm flipH="1">
-            <a:off x="5049867" y="999526"/>
-            <a:ext cx="689846" cy="384431"/>
+            <a:off x="5049867" y="983128"/>
+            <a:ext cx="1046133" cy="400829"/>
           </a:xfrm>
           <a:prstGeom prst="straightConnector1">
             <a:avLst/>
@@ -3808,8 +3612,8 @@
         </p:nvCxnSpPr>
         <p:spPr>
           <a:xfrm>
-            <a:off x="5739713" y="999526"/>
-            <a:ext cx="1569308" cy="522930"/>
+            <a:off x="6096000" y="983128"/>
+            <a:ext cx="1213021" cy="539328"/>
           </a:xfrm>
           <a:prstGeom prst="straightConnector1">
             <a:avLst/>
@@ -3850,8 +3654,8 @@
         </p:nvCxnSpPr>
         <p:spPr>
           <a:xfrm>
-            <a:off x="5739713" y="999526"/>
-            <a:ext cx="4405184" cy="384431"/>
+            <a:off x="6096000" y="983128"/>
+            <a:ext cx="4048897" cy="400829"/>
           </a:xfrm>
           <a:prstGeom prst="straightConnector1">
             <a:avLst/>
@@ -3889,8 +3693,8 @@
         </p:nvSpPr>
         <p:spPr>
           <a:xfrm>
-            <a:off x="1775399" y="3193194"/>
-            <a:ext cx="840259" cy="369332"/>
+            <a:off x="2021911" y="3127985"/>
+            <a:ext cx="614397" cy="369332"/>
           </a:xfrm>
           <a:prstGeom prst="rect">
             <a:avLst/>
@@ -3912,10 +3716,10 @@
       </p:sp>
       <p:sp>
         <p:nvSpPr>
-          <p:cNvPr id="20" name="TextBox 19">
-            <a:extLst>
-              <a:ext uri="{FF2B5EF4-FFF2-40B4-BE49-F238E27FC236}">
-                <a16:creationId xmlns:a16="http://schemas.microsoft.com/office/drawing/2014/main" id="{E93590C7-7796-FAA7-6907-24C1B8DE2FC2}"/>
+          <p:cNvPr id="19" name="TextBox 18">
+            <a:extLst>
+              <a:ext uri="{FF2B5EF4-FFF2-40B4-BE49-F238E27FC236}">
+                <a16:creationId xmlns:a16="http://schemas.microsoft.com/office/drawing/2014/main" id="{C671B9FB-B10D-5853-FC39-4560C395E64B}"/>
               </a:ext>
             </a:extLst>
           </p:cNvPr>
@@ -3924,8 +3728,8 @@
         </p:nvSpPr>
         <p:spPr>
           <a:xfrm>
-            <a:off x="3123279" y="2916195"/>
-            <a:ext cx="729049" cy="369332"/>
+            <a:off x="7891692" y="5012378"/>
+            <a:ext cx="1532238" cy="923330"/>
           </a:xfrm>
           <a:prstGeom prst="rect">
             <a:avLst/>
@@ -3940,17 +3744,17 @@
           <a:p>
             <a:r>
               <a:rPr lang="en-US" dirty="0"/>
-              <a:t>WMC</a:t>
-            </a:r>
-          </a:p>
-        </p:txBody>
-      </p:sp>
-      <p:sp>
-        <p:nvSpPr>
-          <p:cNvPr id="21" name="TextBox 20">
-            <a:extLst>
-              <a:ext uri="{FF2B5EF4-FFF2-40B4-BE49-F238E27FC236}">
-                <a16:creationId xmlns:a16="http://schemas.microsoft.com/office/drawing/2014/main" id="{4DD7DC11-6F9C-40E0-EB0F-B010EC218A58}"/>
+              <a:t>JTA:number of Junit test assertions</a:t>
+            </a:r>
+          </a:p>
+        </p:txBody>
+      </p:sp>
+      <p:sp>
+        <p:nvSpPr>
+          <p:cNvPr id="20" name="TextBox 19">
+            <a:extLst>
+              <a:ext uri="{FF2B5EF4-FFF2-40B4-BE49-F238E27FC236}">
+                <a16:creationId xmlns:a16="http://schemas.microsoft.com/office/drawing/2014/main" id="{E93590C7-7796-FAA7-6907-24C1B8DE2FC2}"/>
               </a:ext>
             </a:extLst>
           </p:cNvPr>
@@ -3959,7 +3763,42 @@
         </p:nvSpPr>
         <p:spPr>
           <a:xfrm>
-            <a:off x="428515" y="4099360"/>
+            <a:off x="3123279" y="2916195"/>
+            <a:ext cx="729049" cy="369332"/>
+          </a:xfrm>
+          <a:prstGeom prst="rect">
+            <a:avLst/>
+          </a:prstGeom>
+          <a:noFill/>
+        </p:spPr>
+        <p:txBody>
+          <a:bodyPr wrap="square" rtlCol="0">
+            <a:spAutoFit/>
+          </a:bodyPr>
+          <a:lstStyle/>
+          <a:p>
+            <a:r>
+              <a:rPr lang="en-US" dirty="0"/>
+              <a:t>WMC</a:t>
+            </a:r>
+          </a:p>
+        </p:txBody>
+      </p:sp>
+      <p:sp>
+        <p:nvSpPr>
+          <p:cNvPr id="21" name="TextBox 20">
+            <a:extLst>
+              <a:ext uri="{FF2B5EF4-FFF2-40B4-BE49-F238E27FC236}">
+                <a16:creationId xmlns:a16="http://schemas.microsoft.com/office/drawing/2014/main" id="{4DD7DC11-6F9C-40E0-EB0F-B010EC218A58}"/>
+              </a:ext>
+            </a:extLst>
+          </p:cNvPr>
+          <p:cNvSpPr txBox="1"/>
+          <p:nvPr/>
+        </p:nvSpPr>
+        <p:spPr>
+          <a:xfrm>
+            <a:off x="560798" y="3303539"/>
             <a:ext cx="1532237" cy="923330"/>
           </a:xfrm>
           <a:prstGeom prst="rect">
@@ -4080,7 +3919,7 @@
         </p:nvSpPr>
         <p:spPr>
           <a:xfrm>
-            <a:off x="6053405" y="5132187"/>
+            <a:off x="4757279" y="3774316"/>
             <a:ext cx="647366" cy="369332"/>
           </a:xfrm>
           <a:prstGeom prst="rect">
@@ -4120,7 +3959,7 @@
         <p:spPr>
           <a:xfrm>
             <a:off x="5049867" y="2307287"/>
-            <a:ext cx="1327221" cy="2824900"/>
+            <a:ext cx="31095" cy="1467029"/>
           </a:xfrm>
           <a:prstGeom prst="straightConnector1">
             <a:avLst/>
@@ -4162,8 +4001,8 @@
         </p:nvCxnSpPr>
         <p:spPr>
           <a:xfrm flipH="1">
-            <a:off x="1194634" y="2307287"/>
-            <a:ext cx="980155" cy="1792073"/>
+            <a:off x="1326917" y="2307287"/>
+            <a:ext cx="847872" cy="996252"/>
           </a:xfrm>
           <a:prstGeom prst="straightConnector1">
             <a:avLst/>
@@ -4206,7 +4045,7 @@
         <p:spPr>
           <a:xfrm>
             <a:off x="2174789" y="2307287"/>
-            <a:ext cx="20740" cy="885907"/>
+            <a:ext cx="154321" cy="820698"/>
           </a:xfrm>
           <a:prstGeom prst="straightConnector1">
             <a:avLst/>
@@ -4244,7 +4083,7 @@
         </p:nvSpPr>
         <p:spPr>
           <a:xfrm>
-            <a:off x="5518359" y="2670361"/>
+            <a:off x="6038030" y="2747721"/>
             <a:ext cx="784363" cy="369332"/>
           </a:xfrm>
           <a:prstGeom prst="rect">
@@ -4284,163 +4123,7 @@
         <p:spPr>
           <a:xfrm>
             <a:off x="5049867" y="2307287"/>
-            <a:ext cx="860674" cy="363074"/>
-          </a:xfrm>
-          <a:prstGeom prst="straightConnector1">
-            <a:avLst/>
-          </a:prstGeom>
-          <a:ln w="31750">
-            <a:tailEnd type="triangle"/>
-          </a:ln>
-        </p:spPr>
-        <p:style>
-          <a:lnRef idx="1">
-            <a:schemeClr val="accent1"/>
-          </a:lnRef>
-          <a:fillRef idx="0">
-            <a:schemeClr val="accent1"/>
-          </a:fillRef>
-          <a:effectRef idx="0">
-            <a:schemeClr val="accent1"/>
-          </a:effectRef>
-          <a:fontRef idx="minor">
-            <a:schemeClr val="tx1"/>
-          </a:fontRef>
-        </p:style>
-      </p:cxnSp>
-      <p:sp>
-        <p:nvSpPr>
-          <p:cNvPr id="2" name="TextBox 1">
-            <a:extLst>
-              <a:ext uri="{FF2B5EF4-FFF2-40B4-BE49-F238E27FC236}">
-                <a16:creationId xmlns:a16="http://schemas.microsoft.com/office/drawing/2014/main" id="{9BABC095-E70C-C911-94C8-1DE0DE963E53}"/>
-              </a:ext>
-            </a:extLst>
-          </p:cNvPr>
-          <p:cNvSpPr txBox="1"/>
-          <p:nvPr/>
-        </p:nvSpPr>
-        <p:spPr>
-          <a:xfrm>
-            <a:off x="7457690" y="2855027"/>
-            <a:ext cx="1532238" cy="923330"/>
-          </a:xfrm>
-          <a:prstGeom prst="rect">
-            <a:avLst/>
-          </a:prstGeom>
-          <a:noFill/>
-        </p:spPr>
-        <p:txBody>
-          <a:bodyPr wrap="square" rtlCol="0">
-            <a:spAutoFit/>
-          </a:bodyPr>
-          <a:lstStyle/>
-          <a:p>
-            <a:r>
-              <a:rPr lang="en-US" dirty="0"/>
-              <a:t>JTC:number of JUnit test cases</a:t>
-            </a:r>
-          </a:p>
-        </p:txBody>
-      </p:sp>
-      <p:cxnSp>
-        <p:nvCxnSpPr>
-          <p:cNvPr id="48" name="Straight Arrow Connector 47">
-            <a:extLst>
-              <a:ext uri="{FF2B5EF4-FFF2-40B4-BE49-F238E27FC236}">
-                <a16:creationId xmlns:a16="http://schemas.microsoft.com/office/drawing/2014/main" id="{1A031F0C-B445-32E3-DC59-130FA9ED560E}"/>
-              </a:ext>
-            </a:extLst>
-          </p:cNvPr>
-          <p:cNvCxnSpPr>
-            <a:cxnSpLocks/>
-            <a:stCxn id="7" idx="2"/>
-            <a:endCxn id="2" idx="0"/>
-          </p:cNvCxnSpPr>
-          <p:nvPr/>
-        </p:nvCxnSpPr>
-        <p:spPr>
-          <a:xfrm>
-            <a:off x="7309021" y="2168787"/>
-            <a:ext cx="914788" cy="686240"/>
-          </a:xfrm>
-          <a:prstGeom prst="straightConnector1">
-            <a:avLst/>
-          </a:prstGeom>
-          <a:ln w="31750">
-            <a:tailEnd type="triangle"/>
-          </a:ln>
-        </p:spPr>
-        <p:style>
-          <a:lnRef idx="1">
-            <a:schemeClr val="accent1"/>
-          </a:lnRef>
-          <a:fillRef idx="0">
-            <a:schemeClr val="accent1"/>
-          </a:fillRef>
-          <a:effectRef idx="0">
-            <a:schemeClr val="accent1"/>
-          </a:effectRef>
-          <a:fontRef idx="minor">
-            <a:schemeClr val="tx1"/>
-          </a:fontRef>
-        </p:style>
-      </p:cxnSp>
-      <p:sp>
-        <p:nvSpPr>
-          <p:cNvPr id="52" name="TextBox 51">
-            <a:extLst>
-              <a:ext uri="{FF2B5EF4-FFF2-40B4-BE49-F238E27FC236}">
-                <a16:creationId xmlns:a16="http://schemas.microsoft.com/office/drawing/2014/main" id="{C1FEB23B-3427-A831-6EED-306A6F9BAED5}"/>
-              </a:ext>
-            </a:extLst>
-          </p:cNvPr>
-          <p:cNvSpPr txBox="1"/>
-          <p:nvPr/>
-        </p:nvSpPr>
-        <p:spPr>
-          <a:xfrm>
-            <a:off x="2101787" y="4662101"/>
-            <a:ext cx="1750541" cy="646331"/>
-          </a:xfrm>
-          <a:prstGeom prst="rect">
-            <a:avLst/>
-          </a:prstGeom>
-          <a:noFill/>
-        </p:spPr>
-        <p:txBody>
-          <a:bodyPr wrap="square">
-            <a:spAutoFit/>
-          </a:bodyPr>
-          <a:lstStyle/>
-          <a:p>
-            <a:r>
-              <a:rPr lang="en-US" dirty="0"/>
-              <a:t>v(G): Cyclomatic complexity</a:t>
-            </a:r>
-          </a:p>
-        </p:txBody>
-      </p:sp>
-      <p:cxnSp>
-        <p:nvCxnSpPr>
-          <p:cNvPr id="62" name="Straight Arrow Connector 61">
-            <a:extLst>
-              <a:ext uri="{FF2B5EF4-FFF2-40B4-BE49-F238E27FC236}">
-                <a16:creationId xmlns:a16="http://schemas.microsoft.com/office/drawing/2014/main" id="{63833FBA-CF6D-12A1-1E94-E18405EC3C37}"/>
-              </a:ext>
-            </a:extLst>
-          </p:cNvPr>
-          <p:cNvCxnSpPr>
-            <a:cxnSpLocks/>
-            <a:stCxn id="5" idx="2"/>
-            <a:endCxn id="52" idx="0"/>
-          </p:cNvCxnSpPr>
-          <p:nvPr/>
-        </p:nvCxnSpPr>
-        <p:spPr>
-          <a:xfrm>
-            <a:off x="2174789" y="2307287"/>
-            <a:ext cx="802269" cy="2354814"/>
+            <a:ext cx="1380345" cy="440434"/>
           </a:xfrm>
           <a:prstGeom prst="straightConnector1">
             <a:avLst/>
@@ -4466,100 +4149,24 @@
       </p:cxnSp>
       <p:cxnSp>
         <p:nvCxnSpPr>
-          <p:cNvPr id="22" name="Straight Arrow Connector 21">
-            <a:extLst>
-              <a:ext uri="{FF2B5EF4-FFF2-40B4-BE49-F238E27FC236}">
-                <a16:creationId xmlns:a16="http://schemas.microsoft.com/office/drawing/2014/main" id="{C7AB4BC3-6003-6DE0-34F4-81420AD4F5DC}"/>
+          <p:cNvPr id="13" name="Straight Arrow Connector 12">
+            <a:extLst>
+              <a:ext uri="{FF2B5EF4-FFF2-40B4-BE49-F238E27FC236}">
+                <a16:creationId xmlns:a16="http://schemas.microsoft.com/office/drawing/2014/main" id="{DC5A8EF8-4BBF-63C6-E777-D7A4D0230F65}"/>
               </a:ext>
             </a:extLst>
           </p:cNvPr>
           <p:cNvCxnSpPr>
-            <a:stCxn id="7" idx="2"/>
-            <a:endCxn id="37" idx="0"/>
+            <a:cxnSpLocks/>
+            <a:stCxn id="8" idx="2"/>
+            <a:endCxn id="11" idx="0"/>
           </p:cNvCxnSpPr>
           <p:nvPr/>
         </p:nvCxnSpPr>
         <p:spPr>
-          <a:xfrm flipH="1">
-            <a:off x="5910541" y="2168787"/>
-            <a:ext cx="1398480" cy="501574"/>
-          </a:xfrm>
-          <a:prstGeom prst="straightConnector1">
-            <a:avLst/>
-          </a:prstGeom>
-          <a:ln w="31750">
-            <a:tailEnd type="triangle"/>
-          </a:ln>
-        </p:spPr>
-        <p:style>
-          <a:lnRef idx="1">
-            <a:schemeClr val="accent1"/>
-          </a:lnRef>
-          <a:fillRef idx="0">
-            <a:schemeClr val="accent1"/>
-          </a:fillRef>
-          <a:effectRef idx="0">
-            <a:schemeClr val="accent1"/>
-          </a:effectRef>
-          <a:fontRef idx="minor">
-            <a:schemeClr val="tx1"/>
-          </a:fontRef>
-        </p:style>
-      </p:cxnSp>
-      <p:sp>
-        <p:nvSpPr>
-          <p:cNvPr id="31" name="TextBox 30">
-            <a:extLst>
-              <a:ext uri="{FF2B5EF4-FFF2-40B4-BE49-F238E27FC236}">
-                <a16:creationId xmlns:a16="http://schemas.microsoft.com/office/drawing/2014/main" id="{F2043878-2F25-134B-9F3B-674B90D038B6}"/>
-              </a:ext>
-            </a:extLst>
-          </p:cNvPr>
-          <p:cNvSpPr txBox="1"/>
-          <p:nvPr/>
-        </p:nvSpPr>
-        <p:spPr>
           <a:xfrm>
-            <a:off x="6524367" y="4024191"/>
-            <a:ext cx="1006299" cy="369332"/>
-          </a:xfrm>
-          <a:prstGeom prst="rect">
-            <a:avLst/>
-          </a:prstGeom>
-          <a:noFill/>
-        </p:spPr>
-        <p:txBody>
-          <a:bodyPr wrap="square" rtlCol="0">
-            <a:spAutoFit/>
-          </a:bodyPr>
-          <a:lstStyle/>
-          <a:p>
-            <a:r>
-              <a:rPr lang="en-US" dirty="0"/>
-              <a:t>NOC</a:t>
-            </a:r>
-          </a:p>
-        </p:txBody>
-      </p:sp>
-      <p:cxnSp>
-        <p:nvCxnSpPr>
-          <p:cNvPr id="35" name="Straight Arrow Connector 34">
-            <a:extLst>
-              <a:ext uri="{FF2B5EF4-FFF2-40B4-BE49-F238E27FC236}">
-                <a16:creationId xmlns:a16="http://schemas.microsoft.com/office/drawing/2014/main" id="{25C28540-545C-B7D6-FFFC-BDE3967FB0B6}"/>
-              </a:ext>
-            </a:extLst>
-          </p:cNvPr>
-          <p:cNvCxnSpPr>
-            <a:stCxn id="6" idx="2"/>
-            <a:endCxn id="31" idx="1"/>
-          </p:cNvCxnSpPr>
-          <p:nvPr/>
-        </p:nvCxnSpPr>
-        <p:spPr>
-          <a:xfrm>
-            <a:off x="5049867" y="2307287"/>
-            <a:ext cx="1474500" cy="1901570"/>
+            <a:off x="10144897" y="2307287"/>
+            <a:ext cx="90303" cy="1769394"/>
           </a:xfrm>
           <a:prstGeom prst="straightConnector1">
             <a:avLst/>
@@ -4585,100 +4192,24 @@
       </p:cxnSp>
       <p:cxnSp>
         <p:nvCxnSpPr>
-          <p:cNvPr id="38" name="Straight Arrow Connector 37">
-            <a:extLst>
-              <a:ext uri="{FF2B5EF4-FFF2-40B4-BE49-F238E27FC236}">
-                <a16:creationId xmlns:a16="http://schemas.microsoft.com/office/drawing/2014/main" id="{FE9BF910-F7B0-5DA0-201C-1B4E4298E8F1}"/>
+          <p:cNvPr id="42" name="Straight Arrow Connector 41">
+            <a:extLst>
+              <a:ext uri="{FF2B5EF4-FFF2-40B4-BE49-F238E27FC236}">
+                <a16:creationId xmlns:a16="http://schemas.microsoft.com/office/drawing/2014/main" id="{A7A4045D-5C7F-0B54-94F8-BBB971D87690}"/>
               </a:ext>
             </a:extLst>
           </p:cNvPr>
           <p:cNvCxnSpPr>
-            <a:stCxn id="8" idx="2"/>
-            <a:endCxn id="31" idx="3"/>
+            <a:cxnSpLocks/>
+            <a:stCxn id="6" idx="2"/>
+            <a:endCxn id="43" idx="0"/>
           </p:cNvCxnSpPr>
           <p:nvPr/>
         </p:nvCxnSpPr>
         <p:spPr>
-          <a:xfrm flipH="1">
-            <a:off x="7530666" y="2307287"/>
-            <a:ext cx="2614231" cy="1901570"/>
-          </a:xfrm>
-          <a:prstGeom prst="straightConnector1">
-            <a:avLst/>
-          </a:prstGeom>
-          <a:ln w="31750">
-            <a:tailEnd type="triangle"/>
-          </a:ln>
-        </p:spPr>
-        <p:style>
-          <a:lnRef idx="1">
-            <a:schemeClr val="accent1"/>
-          </a:lnRef>
-          <a:fillRef idx="0">
-            <a:schemeClr val="accent1"/>
-          </a:fillRef>
-          <a:effectRef idx="0">
-            <a:schemeClr val="accent1"/>
-          </a:effectRef>
-          <a:fontRef idx="minor">
-            <a:schemeClr val="tx1"/>
-          </a:fontRef>
-        </p:style>
-      </p:cxnSp>
-      <p:sp>
-        <p:nvSpPr>
-          <p:cNvPr id="40" name="TextBox 39">
-            <a:extLst>
-              <a:ext uri="{FF2B5EF4-FFF2-40B4-BE49-F238E27FC236}">
-                <a16:creationId xmlns:a16="http://schemas.microsoft.com/office/drawing/2014/main" id="{035A5DDB-34B8-D20D-C9CA-2663EF09E8DE}"/>
-              </a:ext>
-            </a:extLst>
-          </p:cNvPr>
-          <p:cNvSpPr txBox="1"/>
-          <p:nvPr/>
-        </p:nvSpPr>
-        <p:spPr>
           <a:xfrm>
-            <a:off x="6700771" y="6211441"/>
-            <a:ext cx="536878" cy="369332"/>
-          </a:xfrm>
-          <a:prstGeom prst="rect">
-            <a:avLst/>
-          </a:prstGeom>
-          <a:noFill/>
-        </p:spPr>
-        <p:txBody>
-          <a:bodyPr wrap="none" rtlCol="0">
-            <a:spAutoFit/>
-          </a:bodyPr>
-          <a:lstStyle/>
-          <a:p>
-            <a:r>
-              <a:rPr lang="en-US" dirty="0"/>
-              <a:t>RFC</a:t>
-            </a:r>
-          </a:p>
-        </p:txBody>
-      </p:sp>
-      <p:cxnSp>
-        <p:nvCxnSpPr>
-          <p:cNvPr id="44" name="Straight Arrow Connector 43">
-            <a:extLst>
-              <a:ext uri="{FF2B5EF4-FFF2-40B4-BE49-F238E27FC236}">
-                <a16:creationId xmlns:a16="http://schemas.microsoft.com/office/drawing/2014/main" id="{FFCEC94D-43C6-9CEB-54C2-A3CC36EAE832}"/>
-              </a:ext>
-            </a:extLst>
-          </p:cNvPr>
-          <p:cNvCxnSpPr>
-            <a:stCxn id="8" idx="2"/>
-            <a:endCxn id="40" idx="3"/>
-          </p:cNvCxnSpPr>
-          <p:nvPr/>
-        </p:nvCxnSpPr>
-        <p:spPr>
-          <a:xfrm flipH="1">
-            <a:off x="7237649" y="2307287"/>
-            <a:ext cx="2907248" cy="4088820"/>
+            <a:off x="5049867" y="2307287"/>
+            <a:ext cx="1841864" cy="1651695"/>
           </a:xfrm>
           <a:prstGeom prst="straightConnector1">
             <a:avLst/>
@@ -4704,23 +4235,102 @@
       </p:cxnSp>
       <p:cxnSp>
         <p:nvCxnSpPr>
-          <p:cNvPr id="46" name="Straight Arrow Connector 45">
-            <a:extLst>
-              <a:ext uri="{FF2B5EF4-FFF2-40B4-BE49-F238E27FC236}">
-                <a16:creationId xmlns:a16="http://schemas.microsoft.com/office/drawing/2014/main" id="{6B00420F-7C2C-89F2-70E3-3441A22A73B0}"/>
+          <p:cNvPr id="48" name="Straight Arrow Connector 47">
+            <a:extLst>
+              <a:ext uri="{FF2B5EF4-FFF2-40B4-BE49-F238E27FC236}">
+                <a16:creationId xmlns:a16="http://schemas.microsoft.com/office/drawing/2014/main" id="{1A031F0C-B445-32E3-DC59-130FA9ED560E}"/>
               </a:ext>
             </a:extLst>
           </p:cNvPr>
           <p:cNvCxnSpPr>
-            <a:stCxn id="5" idx="2"/>
-            <a:endCxn id="40" idx="1"/>
+            <a:cxnSpLocks/>
+            <a:stCxn id="7" idx="2"/>
+            <a:endCxn id="11" idx="0"/>
           </p:cNvCxnSpPr>
           <p:nvPr/>
         </p:nvCxnSpPr>
         <p:spPr>
           <a:xfrm>
-            <a:off x="2174789" y="2307287"/>
-            <a:ext cx="4525982" cy="4088820"/>
+            <a:off x="7309021" y="2168787"/>
+            <a:ext cx="2926179" cy="1907894"/>
+          </a:xfrm>
+          <a:prstGeom prst="straightConnector1">
+            <a:avLst/>
+          </a:prstGeom>
+          <a:ln w="31750">
+            <a:tailEnd type="triangle"/>
+          </a:ln>
+        </p:spPr>
+        <p:style>
+          <a:lnRef idx="1">
+            <a:schemeClr val="accent1"/>
+          </a:lnRef>
+          <a:fillRef idx="0">
+            <a:schemeClr val="accent1"/>
+          </a:fillRef>
+          <a:effectRef idx="0">
+            <a:schemeClr val="accent1"/>
+          </a:effectRef>
+          <a:fontRef idx="minor">
+            <a:schemeClr val="tx1"/>
+          </a:fontRef>
+        </p:style>
+      </p:cxnSp>
+      <p:sp>
+        <p:nvSpPr>
+          <p:cNvPr id="11" name="TextBox 10">
+            <a:extLst>
+              <a:ext uri="{FF2B5EF4-FFF2-40B4-BE49-F238E27FC236}">
+                <a16:creationId xmlns:a16="http://schemas.microsoft.com/office/drawing/2014/main" id="{5610B02D-EE17-666B-4285-9F70C195F602}"/>
+              </a:ext>
+            </a:extLst>
+          </p:cNvPr>
+          <p:cNvSpPr txBox="1"/>
+          <p:nvPr/>
+        </p:nvSpPr>
+        <p:spPr>
+          <a:xfrm>
+            <a:off x="9469081" y="4076681"/>
+            <a:ext cx="1532238" cy="646331"/>
+          </a:xfrm>
+          <a:prstGeom prst="rect">
+            <a:avLst/>
+          </a:prstGeom>
+          <a:noFill/>
+        </p:spPr>
+        <p:txBody>
+          <a:bodyPr wrap="square" rtlCol="0">
+            <a:spAutoFit/>
+          </a:bodyPr>
+          <a:lstStyle/>
+          <a:p>
+            <a:r>
+              <a:rPr lang="en-US" dirty="0"/>
+              <a:t>Javadoc class coverage</a:t>
+            </a:r>
+          </a:p>
+        </p:txBody>
+      </p:sp>
+      <p:cxnSp>
+        <p:nvCxnSpPr>
+          <p:cNvPr id="24" name="Straight Arrow Connector 23">
+            <a:extLst>
+              <a:ext uri="{FF2B5EF4-FFF2-40B4-BE49-F238E27FC236}">
+                <a16:creationId xmlns:a16="http://schemas.microsoft.com/office/drawing/2014/main" id="{37E96303-B561-A59C-8181-0811058F48D7}"/>
+              </a:ext>
+            </a:extLst>
+          </p:cNvPr>
+          <p:cNvCxnSpPr>
+            <a:cxnSpLocks/>
+            <a:stCxn id="7" idx="2"/>
+            <a:endCxn id="19" idx="0"/>
+          </p:cNvCxnSpPr>
+          <p:nvPr/>
+        </p:nvCxnSpPr>
+        <p:spPr>
+          <a:xfrm>
+            <a:off x="7309021" y="2168787"/>
+            <a:ext cx="1348790" cy="2843591"/>
           </a:xfrm>
           <a:prstGeom prst="straightConnector1">
             <a:avLst/>
@@ -4746,23 +4356,266 @@
       </p:cxnSp>
       <p:cxnSp>
         <p:nvCxnSpPr>
-          <p:cNvPr id="53" name="Straight Arrow Connector 52">
-            <a:extLst>
-              <a:ext uri="{FF2B5EF4-FFF2-40B4-BE49-F238E27FC236}">
-                <a16:creationId xmlns:a16="http://schemas.microsoft.com/office/drawing/2014/main" id="{82365185-0A29-35BD-8AD6-CB5C90CB14C9}"/>
+          <p:cNvPr id="36" name="Straight Arrow Connector 35">
+            <a:extLst>
+              <a:ext uri="{FF2B5EF4-FFF2-40B4-BE49-F238E27FC236}">
+                <a16:creationId xmlns:a16="http://schemas.microsoft.com/office/drawing/2014/main" id="{E0276490-C5BB-4195-2EF2-0CDB1332A4CD}"/>
               </a:ext>
             </a:extLst>
           </p:cNvPr>
           <p:cNvCxnSpPr>
-            <a:stCxn id="8" idx="2"/>
-            <a:endCxn id="26" idx="3"/>
+            <a:cxnSpLocks/>
+            <a:stCxn id="7" idx="2"/>
+            <a:endCxn id="37" idx="0"/>
           </p:cNvCxnSpPr>
           <p:nvPr/>
         </p:nvCxnSpPr>
         <p:spPr>
           <a:xfrm flipH="1">
-            <a:off x="6700771" y="2307287"/>
-            <a:ext cx="3444126" cy="3009566"/>
+            <a:off x="6430212" y="2168787"/>
+            <a:ext cx="878809" cy="578934"/>
+          </a:xfrm>
+          <a:prstGeom prst="straightConnector1">
+            <a:avLst/>
+          </a:prstGeom>
+          <a:ln w="31750">
+            <a:tailEnd type="triangle"/>
+          </a:ln>
+        </p:spPr>
+        <p:style>
+          <a:lnRef idx="1">
+            <a:schemeClr val="accent1"/>
+          </a:lnRef>
+          <a:fillRef idx="0">
+            <a:schemeClr val="accent1"/>
+          </a:fillRef>
+          <a:effectRef idx="0">
+            <a:schemeClr val="accent1"/>
+          </a:effectRef>
+          <a:fontRef idx="minor">
+            <a:schemeClr val="tx1"/>
+          </a:fontRef>
+        </p:style>
+      </p:cxnSp>
+      <p:sp>
+        <p:nvSpPr>
+          <p:cNvPr id="43" name="TextBox 42">
+            <a:extLst>
+              <a:ext uri="{FF2B5EF4-FFF2-40B4-BE49-F238E27FC236}">
+                <a16:creationId xmlns:a16="http://schemas.microsoft.com/office/drawing/2014/main" id="{28155337-9B57-9995-F92B-1A426EBD7240}"/>
+              </a:ext>
+            </a:extLst>
+          </p:cNvPr>
+          <p:cNvSpPr txBox="1"/>
+          <p:nvPr/>
+        </p:nvSpPr>
+        <p:spPr>
+          <a:xfrm>
+            <a:off x="6568048" y="3958982"/>
+            <a:ext cx="647366" cy="369332"/>
+          </a:xfrm>
+          <a:prstGeom prst="rect">
+            <a:avLst/>
+          </a:prstGeom>
+          <a:noFill/>
+        </p:spPr>
+        <p:txBody>
+          <a:bodyPr wrap="square" rtlCol="0">
+            <a:spAutoFit/>
+          </a:bodyPr>
+          <a:lstStyle/>
+          <a:p>
+            <a:r>
+              <a:rPr lang="en-US" dirty="0"/>
+              <a:t>NOC</a:t>
+            </a:r>
+          </a:p>
+        </p:txBody>
+      </p:sp>
+      <p:sp>
+        <p:nvSpPr>
+          <p:cNvPr id="44" name="TextBox 43">
+            <a:extLst>
+              <a:ext uri="{FF2B5EF4-FFF2-40B4-BE49-F238E27FC236}">
+                <a16:creationId xmlns:a16="http://schemas.microsoft.com/office/drawing/2014/main" id="{3539443B-793C-F4C9-34FA-F4FFB2DEA234}"/>
+              </a:ext>
+            </a:extLst>
+          </p:cNvPr>
+          <p:cNvSpPr txBox="1"/>
+          <p:nvPr/>
+        </p:nvSpPr>
+        <p:spPr>
+          <a:xfrm>
+            <a:off x="5160212" y="5365788"/>
+            <a:ext cx="579827" cy="369332"/>
+          </a:xfrm>
+          <a:prstGeom prst="rect">
+            <a:avLst/>
+          </a:prstGeom>
+          <a:noFill/>
+        </p:spPr>
+        <p:txBody>
+          <a:bodyPr wrap="square" rtlCol="0">
+            <a:spAutoFit/>
+          </a:bodyPr>
+          <a:lstStyle/>
+          <a:p>
+            <a:r>
+              <a:rPr lang="en-US" dirty="0"/>
+              <a:t>RFC</a:t>
+            </a:r>
+          </a:p>
+        </p:txBody>
+      </p:sp>
+      <p:cxnSp>
+        <p:nvCxnSpPr>
+          <p:cNvPr id="58" name="Straight Arrow Connector 57">
+            <a:extLst>
+              <a:ext uri="{FF2B5EF4-FFF2-40B4-BE49-F238E27FC236}">
+                <a16:creationId xmlns:a16="http://schemas.microsoft.com/office/drawing/2014/main" id="{6C87DAC0-1B80-955B-FB6A-EB8EFD6D6840}"/>
+              </a:ext>
+            </a:extLst>
+          </p:cNvPr>
+          <p:cNvCxnSpPr>
+            <a:cxnSpLocks/>
+            <a:stCxn id="8" idx="2"/>
+            <a:endCxn id="43" idx="0"/>
+          </p:cNvCxnSpPr>
+          <p:nvPr/>
+        </p:nvCxnSpPr>
+        <p:spPr>
+          <a:xfrm flipH="1">
+            <a:off x="6891731" y="2307287"/>
+            <a:ext cx="3253166" cy="1651695"/>
+          </a:xfrm>
+          <a:prstGeom prst="straightConnector1">
+            <a:avLst/>
+          </a:prstGeom>
+          <a:ln w="31750">
+            <a:tailEnd type="triangle"/>
+          </a:ln>
+        </p:spPr>
+        <p:style>
+          <a:lnRef idx="1">
+            <a:schemeClr val="accent1"/>
+          </a:lnRef>
+          <a:fillRef idx="0">
+            <a:schemeClr val="accent1"/>
+          </a:fillRef>
+          <a:effectRef idx="0">
+            <a:schemeClr val="accent1"/>
+          </a:effectRef>
+          <a:fontRef idx="minor">
+            <a:schemeClr val="tx1"/>
+          </a:fontRef>
+        </p:style>
+      </p:cxnSp>
+      <p:cxnSp>
+        <p:nvCxnSpPr>
+          <p:cNvPr id="61" name="Straight Arrow Connector 60">
+            <a:extLst>
+              <a:ext uri="{FF2B5EF4-FFF2-40B4-BE49-F238E27FC236}">
+                <a16:creationId xmlns:a16="http://schemas.microsoft.com/office/drawing/2014/main" id="{7A26034E-C0CD-07BE-01A0-67CB1F2BD91C}"/>
+              </a:ext>
+            </a:extLst>
+          </p:cNvPr>
+          <p:cNvCxnSpPr>
+            <a:cxnSpLocks/>
+            <a:stCxn id="8" idx="2"/>
+            <a:endCxn id="44" idx="0"/>
+          </p:cNvCxnSpPr>
+          <p:nvPr/>
+        </p:nvCxnSpPr>
+        <p:spPr>
+          <a:xfrm flipH="1">
+            <a:off x="5450126" y="2307287"/>
+            <a:ext cx="4694771" cy="3058501"/>
+          </a:xfrm>
+          <a:prstGeom prst="straightConnector1">
+            <a:avLst/>
+          </a:prstGeom>
+          <a:ln w="31750">
+            <a:tailEnd type="triangle"/>
+          </a:ln>
+        </p:spPr>
+        <p:style>
+          <a:lnRef idx="1">
+            <a:schemeClr val="accent1"/>
+          </a:lnRef>
+          <a:fillRef idx="0">
+            <a:schemeClr val="accent1"/>
+          </a:fillRef>
+          <a:effectRef idx="0">
+            <a:schemeClr val="accent1"/>
+          </a:effectRef>
+          <a:fontRef idx="minor">
+            <a:schemeClr val="tx1"/>
+          </a:fontRef>
+        </p:style>
+      </p:cxnSp>
+      <p:cxnSp>
+        <p:nvCxnSpPr>
+          <p:cNvPr id="64" name="Straight Arrow Connector 63">
+            <a:extLst>
+              <a:ext uri="{FF2B5EF4-FFF2-40B4-BE49-F238E27FC236}">
+                <a16:creationId xmlns:a16="http://schemas.microsoft.com/office/drawing/2014/main" id="{9F23228E-22F3-3CA1-518E-F7B2B5FF7413}"/>
+              </a:ext>
+            </a:extLst>
+          </p:cNvPr>
+          <p:cNvCxnSpPr>
+            <a:cxnSpLocks/>
+            <a:stCxn id="8" idx="2"/>
+            <a:endCxn id="26" idx="0"/>
+          </p:cNvCxnSpPr>
+          <p:nvPr/>
+        </p:nvCxnSpPr>
+        <p:spPr>
+          <a:xfrm flipH="1">
+            <a:off x="5080962" y="2307287"/>
+            <a:ext cx="5063935" cy="1467029"/>
+          </a:xfrm>
+          <a:prstGeom prst="straightConnector1">
+            <a:avLst/>
+          </a:prstGeom>
+          <a:ln w="31750">
+            <a:tailEnd type="triangle"/>
+          </a:ln>
+        </p:spPr>
+        <p:style>
+          <a:lnRef idx="1">
+            <a:schemeClr val="accent1"/>
+          </a:lnRef>
+          <a:fillRef idx="0">
+            <a:schemeClr val="accent1"/>
+          </a:fillRef>
+          <a:effectRef idx="0">
+            <a:schemeClr val="accent1"/>
+          </a:effectRef>
+          <a:fontRef idx="minor">
+            <a:schemeClr val="tx1"/>
+          </a:fontRef>
+        </p:style>
+      </p:cxnSp>
+      <p:cxnSp>
+        <p:nvCxnSpPr>
+          <p:cNvPr id="84" name="Straight Arrow Connector 83">
+            <a:extLst>
+              <a:ext uri="{FF2B5EF4-FFF2-40B4-BE49-F238E27FC236}">
+                <a16:creationId xmlns:a16="http://schemas.microsoft.com/office/drawing/2014/main" id="{376AF1C3-A71E-BA20-9722-9D608D5537D1}"/>
+              </a:ext>
+            </a:extLst>
+          </p:cNvPr>
+          <p:cNvCxnSpPr>
+            <a:cxnSpLocks/>
+            <a:stCxn id="5" idx="2"/>
+            <a:endCxn id="44" idx="0"/>
+          </p:cNvCxnSpPr>
+          <p:nvPr/>
+        </p:nvCxnSpPr>
+        <p:spPr>
+          <a:xfrm>
+            <a:off x="2174789" y="2307287"/>
+            <a:ext cx="3275337" cy="3058501"/>
           </a:xfrm>
           <a:prstGeom prst="straightConnector1">
             <a:avLst/>
@@ -4790,6 +4643,641 @@
     <p:extLst>
       <p:ext uri="{BB962C8B-B14F-4D97-AF65-F5344CB8AC3E}">
         <p14:creationId xmlns:p14="http://schemas.microsoft.com/office/powerpoint/2010/main" val="1972806892"/>
+      </p:ext>
+    </p:extLst>
+  </p:cSld>
+  <p:clrMapOvr>
+    <a:masterClrMapping/>
+  </p:clrMapOvr>
+</p:sld>
+</file>
+
+<file path=ppt/slides/slide2.xml><?xml version="1.0" encoding="utf-8"?>
+<p:sld xmlns:a="http://schemas.openxmlformats.org/drawingml/2006/main" xmlns:r="http://schemas.openxmlformats.org/officeDocument/2006/relationships" xmlns:p="http://schemas.openxmlformats.org/presentationml/2006/main">
+  <p:cSld>
+    <p:spTree>
+      <p:nvGrpSpPr>
+        <p:cNvPr id="1" name=""/>
+        <p:cNvGrpSpPr/>
+        <p:nvPr/>
+      </p:nvGrpSpPr>
+      <p:grpSpPr>
+        <a:xfrm>
+          <a:off x="0" y="0"/>
+          <a:ext cx="0" cy="0"/>
+          <a:chOff x="0" y="0"/>
+          <a:chExt cx="0" cy="0"/>
+        </a:xfrm>
+      </p:grpSpPr>
+      <p:graphicFrame>
+        <p:nvGraphicFramePr>
+          <p:cNvPr id="4" name="Table 4">
+            <a:extLst>
+              <a:ext uri="{FF2B5EF4-FFF2-40B4-BE49-F238E27FC236}">
+                <a16:creationId xmlns:a16="http://schemas.microsoft.com/office/drawing/2014/main" id="{29EC2859-139F-A82F-9E96-9A6695597519}"/>
+              </a:ext>
+            </a:extLst>
+          </p:cNvPr>
+          <p:cNvGraphicFramePr>
+            <a:graphicFrameLocks noGrp="1"/>
+          </p:cNvGraphicFramePr>
+          <p:nvPr>
+            <p:extLst>
+              <p:ext uri="{D42A27DB-BD31-4B8C-83A1-F6EECF244321}">
+                <p14:modId xmlns:p14="http://schemas.microsoft.com/office/powerpoint/2010/main" val="3613022527"/>
+              </p:ext>
+            </p:extLst>
+          </p:nvPr>
+        </p:nvGraphicFramePr>
+        <p:xfrm>
+          <a:off x="2207513" y="56800"/>
+          <a:ext cx="7776974" cy="6801200"/>
+        </p:xfrm>
+        <a:graphic>
+          <a:graphicData uri="http://schemas.openxmlformats.org/drawingml/2006/table">
+            <a:tbl>
+              <a:tblPr firstRow="1" bandRow="1">
+                <a:tableStyleId>{F5AB1C69-6EDB-4FF4-983F-18BD219EF322}</a:tableStyleId>
+              </a:tblPr>
+              <a:tblGrid>
+                <a:gridCol w="1102855">
+                  <a:extLst>
+                    <a:ext uri="{9D8B030D-6E8A-4147-A177-3AD203B41FA5}">
+                      <a16:colId xmlns:a16="http://schemas.microsoft.com/office/drawing/2014/main" val="3773666234"/>
+                    </a:ext>
+                  </a:extLst>
+                </a:gridCol>
+                <a:gridCol w="1267111">
+                  <a:extLst>
+                    <a:ext uri="{9D8B030D-6E8A-4147-A177-3AD203B41FA5}">
+                      <a16:colId xmlns:a16="http://schemas.microsoft.com/office/drawing/2014/main" val="1159154925"/>
+                    </a:ext>
+                  </a:extLst>
+                </a:gridCol>
+                <a:gridCol w="5407008">
+                  <a:extLst>
+                    <a:ext uri="{9D8B030D-6E8A-4147-A177-3AD203B41FA5}">
+                      <a16:colId xmlns:a16="http://schemas.microsoft.com/office/drawing/2014/main" val="2732578211"/>
+                    </a:ext>
+                  </a:extLst>
+                </a:gridCol>
+              </a:tblGrid>
+              <a:tr h="237525">
+                <a:tc>
+                  <a:txBody>
+                    <a:bodyPr/>
+                    <a:lstStyle/>
+                    <a:p>
+                      <a:pPr lvl="0"/>
+                      <a:r>
+                        <a:rPr lang="en-US" sz="1200" dirty="0"/>
+                        <a:t>Metric</a:t>
+                      </a:r>
+                    </a:p>
+                  </a:txBody>
+                  <a:tcPr marL="58327" marR="58327" marT="29164" marB="29164" anchor="ctr"/>
+                </a:tc>
+                <a:tc>
+                  <a:txBody>
+                    <a:bodyPr/>
+                    <a:lstStyle/>
+                    <a:p>
+                      <a:pPr lvl="0"/>
+                      <a:r>
+                        <a:rPr lang="en-US" sz="1200" dirty="0"/>
+                        <a:t>Level</a:t>
+                      </a:r>
+                    </a:p>
+                  </a:txBody>
+                  <a:tcPr marL="58327" marR="58327" marT="29164" marB="29164" anchor="ctr"/>
+                </a:tc>
+                <a:tc>
+                  <a:txBody>
+                    <a:bodyPr/>
+                    <a:lstStyle/>
+                    <a:p>
+                      <a:pPr lvl="0"/>
+                      <a:r>
+                        <a:rPr lang="en-US" sz="1200" dirty="0"/>
+                        <a:t>Definition</a:t>
+                      </a:r>
+                    </a:p>
+                  </a:txBody>
+                  <a:tcPr marL="58327" marR="58327" marT="29164" marB="29164" anchor="ctr"/>
+                </a:tc>
+                <a:extLst>
+                  <a:ext uri="{0D108BD9-81ED-4DB2-BD59-A6C34878D82A}">
+                    <a16:rowId xmlns:a16="http://schemas.microsoft.com/office/drawing/2014/main" val="3588486746"/>
+                  </a:ext>
+                </a:extLst>
+              </a:tr>
+              <a:tr h="595919">
+                <a:tc>
+                  <a:txBody>
+                    <a:bodyPr/>
+                    <a:lstStyle/>
+                    <a:p>
+                      <a:pPr lvl="0"/>
+                      <a:r>
+                        <a:rPr lang="en-US" sz="1200" dirty="0"/>
+                        <a:t>LOC</a:t>
+                      </a:r>
+                    </a:p>
+                  </a:txBody>
+                  <a:tcPr marL="58327" marR="58327" marT="29164" marB="29164" anchor="ctr"/>
+                </a:tc>
+                <a:tc>
+                  <a:txBody>
+                    <a:bodyPr/>
+                    <a:lstStyle/>
+                    <a:p>
+                      <a:pPr lvl="0"/>
+                      <a:r>
+                        <a:rPr lang="en-US" sz="1200" dirty="0"/>
+                        <a:t>Class</a:t>
+                      </a:r>
+                    </a:p>
+                  </a:txBody>
+                  <a:tcPr marL="58327" marR="58327" marT="29164" marB="29164" anchor="ctr"/>
+                </a:tc>
+                <a:tc>
+                  <a:txBody>
+                    <a:bodyPr/>
+                    <a:lstStyle/>
+                    <a:p>
+                      <a:pPr lvl="0"/>
+                      <a:r>
+                        <a:rPr lang="en-US" sz="1200" dirty="0"/>
+                        <a:t>Number of lines of code in each class. Anonymous inner classes are included in their containing class, while named inner classes are evaluated separately. Comments are counted, but whitespace is not.</a:t>
+                      </a:r>
+                    </a:p>
+                  </a:txBody>
+                  <a:tcPr marL="58327" marR="58327" marT="29164" marB="29164" anchor="ctr"/>
+                </a:tc>
+                <a:extLst>
+                  <a:ext uri="{0D108BD9-81ED-4DB2-BD59-A6C34878D82A}">
+                    <a16:rowId xmlns:a16="http://schemas.microsoft.com/office/drawing/2014/main" val="772650999"/>
+                  </a:ext>
+                </a:extLst>
+              </a:tr>
+              <a:tr h="766632">
+                <a:tc>
+                  <a:txBody>
+                    <a:bodyPr/>
+                    <a:lstStyle/>
+                    <a:p>
+                      <a:pPr lvl="0"/>
+                      <a:r>
+                        <a:rPr lang="en-US" sz="1200" dirty="0"/>
+                        <a:t>CLOC</a:t>
+                      </a:r>
+                    </a:p>
+                  </a:txBody>
+                  <a:tcPr marL="58327" marR="58327" marT="29164" marB="29164" anchor="ctr"/>
+                </a:tc>
+                <a:tc>
+                  <a:txBody>
+                    <a:bodyPr/>
+                    <a:lstStyle/>
+                    <a:p>
+                      <a:pPr lvl="0"/>
+                      <a:r>
+                        <a:rPr lang="en-US" sz="1200" dirty="0"/>
+                        <a:t>Class</a:t>
+                      </a:r>
+                    </a:p>
+                  </a:txBody>
+                  <a:tcPr marL="58327" marR="58327" marT="29164" marB="29164" anchor="ctr"/>
+                </a:tc>
+                <a:tc>
+                  <a:txBody>
+                    <a:bodyPr/>
+                    <a:lstStyle/>
+                    <a:p>
+                      <a:pPr lvl="0"/>
+                      <a:r>
+                        <a:rPr lang="en-US" sz="1200" dirty="0"/>
+                        <a:t>Number of lines of code in each class which contain comments. Anonymous inner classes are included in their containing class, while named inner classes are evaluated separately. Whitespace lines are not counted.</a:t>
+                      </a:r>
+                      <a:r>
+                        <a:rPr lang="zh-CN" altLang="en-US" sz="1200" dirty="0"/>
+                        <a:t> </a:t>
+                      </a:r>
+                      <a:r>
+                        <a:rPr lang="en-CA" altLang="zh-CN" sz="1200" dirty="0"/>
+                        <a:t>(In order to get CLOC/LOC, the comment density)</a:t>
+                      </a:r>
+                      <a:endParaRPr lang="en-US" sz="1200" dirty="0"/>
+                    </a:p>
+                  </a:txBody>
+                  <a:tcPr marL="58327" marR="58327" marT="29164" marB="29164" anchor="ctr"/>
+                </a:tc>
+                <a:extLst>
+                  <a:ext uri="{0D108BD9-81ED-4DB2-BD59-A6C34878D82A}">
+                    <a16:rowId xmlns:a16="http://schemas.microsoft.com/office/drawing/2014/main" val="1171239408"/>
+                  </a:ext>
+                </a:extLst>
+              </a:tr>
+              <a:tr h="237525">
+                <a:tc>
+                  <a:txBody>
+                    <a:bodyPr/>
+                    <a:lstStyle/>
+                    <a:p>
+                      <a:pPr lvl="0"/>
+                      <a:r>
+                        <a:rPr lang="en-US" sz="1200" dirty="0"/>
+                        <a:t>WMC</a:t>
+                      </a:r>
+                    </a:p>
+                  </a:txBody>
+                  <a:tcPr marL="58327" marR="58327" marT="29164" marB="29164" anchor="ctr"/>
+                </a:tc>
+                <a:tc>
+                  <a:txBody>
+                    <a:bodyPr/>
+                    <a:lstStyle/>
+                    <a:p>
+                      <a:pPr lvl="0"/>
+                      <a:r>
+                        <a:rPr lang="en-US" sz="1200" dirty="0"/>
+                        <a:t>Class</a:t>
+                      </a:r>
+                    </a:p>
+                  </a:txBody>
+                  <a:tcPr marL="58327" marR="58327" marT="29164" marB="29164" anchor="ctr"/>
+                </a:tc>
+                <a:tc>
+                  <a:txBody>
+                    <a:bodyPr/>
+                    <a:lstStyle/>
+                    <a:p>
+                      <a:pPr lvl="0"/>
+                      <a:r>
+                        <a:rPr lang="en-US" sz="1200" dirty="0"/>
+                        <a:t>Total cyclomatic complexity of the methods in each class.</a:t>
+                      </a:r>
+                    </a:p>
+                  </a:txBody>
+                  <a:tcPr marL="58327" marR="58327" marT="29164" marB="29164" anchor="ctr"/>
+                </a:tc>
+                <a:extLst>
+                  <a:ext uri="{0D108BD9-81ED-4DB2-BD59-A6C34878D82A}">
+                    <a16:rowId xmlns:a16="http://schemas.microsoft.com/office/drawing/2014/main" val="1905425764"/>
+                  </a:ext>
+                </a:extLst>
+              </a:tr>
+              <a:tr h="595919">
+                <a:tc>
+                  <a:txBody>
+                    <a:bodyPr/>
+                    <a:lstStyle/>
+                    <a:p>
+                      <a:pPr lvl="0"/>
+                      <a:r>
+                        <a:rPr lang="en-US" sz="1200" dirty="0"/>
+                        <a:t>CBO</a:t>
+                      </a:r>
+                    </a:p>
+                  </a:txBody>
+                  <a:tcPr marL="58327" marR="58327" marT="29164" marB="29164" anchor="ctr"/>
+                </a:tc>
+                <a:tc>
+                  <a:txBody>
+                    <a:bodyPr/>
+                    <a:lstStyle/>
+                    <a:p>
+                      <a:pPr lvl="0"/>
+                      <a:r>
+                        <a:rPr lang="en-US" sz="1200" dirty="0"/>
+                        <a:t>Class</a:t>
+                      </a:r>
+                    </a:p>
+                  </a:txBody>
+                  <a:tcPr marL="58327" marR="58327" marT="29164" marB="29164" anchor="ctr"/>
+                </a:tc>
+                <a:tc>
+                  <a:txBody>
+                    <a:bodyPr/>
+                    <a:lstStyle/>
+                    <a:p>
+                      <a:pPr lvl="0"/>
+                      <a:r>
+                        <a:rPr lang="en-US" sz="1200" dirty="0"/>
+                        <a:t>Number of classes or interfaces which each class is "coupled" with. A class is declared to be coupled with another if it depends on that class or is depended on by that class. Dependencies due to inheritance are not counted</a:t>
+                      </a:r>
+                    </a:p>
+                  </a:txBody>
+                  <a:tcPr marL="58327" marR="58327" marT="29164" marB="29164" anchor="ctr"/>
+                </a:tc>
+                <a:extLst>
+                  <a:ext uri="{0D108BD9-81ED-4DB2-BD59-A6C34878D82A}">
+                    <a16:rowId xmlns:a16="http://schemas.microsoft.com/office/drawing/2014/main" val="1078245402"/>
+                  </a:ext>
+                </a:extLst>
+              </a:tr>
+              <a:tr h="2029495">
+                <a:tc>
+                  <a:txBody>
+                    <a:bodyPr/>
+                    <a:lstStyle/>
+                    <a:p>
+                      <a:pPr lvl="0"/>
+                      <a:r>
+                        <a:rPr lang="en-US" sz="1200" dirty="0"/>
+                        <a:t>LCOM</a:t>
+                      </a:r>
+                    </a:p>
+                  </a:txBody>
+                  <a:tcPr marL="58327" marR="58327" marT="29164" marB="29164" anchor="ctr"/>
+                </a:tc>
+                <a:tc>
+                  <a:txBody>
+                    <a:bodyPr/>
+                    <a:lstStyle/>
+                    <a:p>
+                      <a:pPr lvl="0"/>
+                      <a:r>
+                        <a:rPr lang="en-US" sz="1200" dirty="0"/>
+                        <a:t>Class</a:t>
+                      </a:r>
+                    </a:p>
+                  </a:txBody>
+                  <a:tcPr marL="58327" marR="58327" marT="29164" marB="29164" anchor="ctr"/>
+                </a:tc>
+                <a:tc>
+                  <a:txBody>
+                    <a:bodyPr/>
+                    <a:lstStyle/>
+                    <a:p>
+                      <a:pPr lvl="0"/>
+                      <a:r>
+                        <a:rPr lang="en-US" sz="1200" dirty="0"/>
+                        <a:t>Calculates on the degree of cohesiveness of a class. We use a variant of the LCOM metric designed by </a:t>
+                      </a:r>
+                      <a:r>
+                        <a:rPr lang="en-US" sz="1200" dirty="0" err="1"/>
+                        <a:t>Hitz</a:t>
+                      </a:r>
+                      <a:r>
+                        <a:rPr lang="en-US" sz="1200" dirty="0"/>
+                        <a:t> and </a:t>
+                      </a:r>
+                      <a:r>
+                        <a:rPr lang="en-US" sz="1200" dirty="0" err="1"/>
+                        <a:t>Montazeri</a:t>
+                      </a:r>
+                      <a:r>
+                        <a:rPr lang="en-US" sz="1200" dirty="0"/>
+                        <a:t>, which is more appropriate for Java. The metric says that two methods of a class are related if they share a variable use, or one method calls another. The metric is then the count of the number of components of the method relation graph. A value of 1 indicates a highly cohesive class, which can not easily be split into smaller classes. Higher values may indicate that the class may be "doing too much", and should be split. Note that constructors, equals(), </a:t>
+                      </a:r>
+                      <a:r>
+                        <a:rPr lang="en-US" sz="1200" dirty="0" err="1"/>
+                        <a:t>hashCode</a:t>
+                      </a:r>
+                      <a:r>
+                        <a:rPr lang="en-US" sz="1200" dirty="0"/>
+                        <a:t>(), </a:t>
+                      </a:r>
+                      <a:r>
+                        <a:rPr lang="en-US" sz="1200" dirty="0" err="1"/>
+                        <a:t>toString</a:t>
+                      </a:r>
+                      <a:r>
+                        <a:rPr lang="en-US" sz="1200" dirty="0"/>
+                        <a:t>(), clone(), finalize(), readObject(), and writeObject() methods are not considered, as these scaffolding methods often touch all variables in a class, and would thus result in metrics values indicating more cohesiveness than is actually apparent in the design.</a:t>
+                      </a:r>
+                    </a:p>
+                  </a:txBody>
+                  <a:tcPr marL="58327" marR="58327" marT="29164" marB="29164" anchor="ctr"/>
+                </a:tc>
+                <a:extLst>
+                  <a:ext uri="{0D108BD9-81ED-4DB2-BD59-A6C34878D82A}">
+                    <a16:rowId xmlns:a16="http://schemas.microsoft.com/office/drawing/2014/main" val="942554684"/>
+                  </a:ext>
+                </a:extLst>
+              </a:tr>
+              <a:tr h="1297860">
+                <a:tc>
+                  <a:txBody>
+                    <a:bodyPr/>
+                    <a:lstStyle/>
+                    <a:p>
+                      <a:pPr lvl="0"/>
+                      <a:r>
+                        <a:rPr lang="en-US" sz="1200" dirty="0"/>
+                        <a:t>RFC</a:t>
+                      </a:r>
+                    </a:p>
+                  </a:txBody>
+                  <a:tcPr marL="58327" marR="58327" marT="29164" marB="29164" anchor="ctr"/>
+                </a:tc>
+                <a:tc>
+                  <a:txBody>
+                    <a:bodyPr/>
+                    <a:lstStyle/>
+                    <a:p>
+                      <a:pPr lvl="0"/>
+                      <a:r>
+                        <a:rPr lang="en-US" sz="1200" dirty="0"/>
+                        <a:t>Class</a:t>
+                      </a:r>
+                    </a:p>
+                  </a:txBody>
+                  <a:tcPr marL="58327" marR="58327" marT="29164" marB="29164" anchor="ctr"/>
+                </a:tc>
+                <a:tc>
+                  <a:txBody>
+                    <a:bodyPr/>
+                    <a:lstStyle/>
+                    <a:p>
+                      <a:pPr lvl="0"/>
+                      <a:r>
+                        <a:rPr lang="en-US" sz="1200" dirty="0"/>
+                        <a:t>Calculates the Response For Class value of the class. This is defined as the number of possible methods that may be called when a class is sent a method send. In practice, this is the sum of the number of methods and constructors in the class, plus the number of methods and constructors that the class may directly call. Methods from or called by </a:t>
+                      </a:r>
+                      <a:r>
+                        <a:rPr lang="en-US" sz="1200" dirty="0" err="1"/>
+                        <a:t>superclasses</a:t>
+                      </a:r>
+                      <a:r>
+                        <a:rPr lang="en-US" sz="1200" dirty="0"/>
+                        <a:t> are not counted. Classes with high Response For Class have a higher complexity, may be less stable, and require higher amounts of integration testing.</a:t>
+                      </a:r>
+                    </a:p>
+                  </a:txBody>
+                  <a:tcPr marL="58327" marR="58327" marT="29164" marB="29164" anchor="ctr"/>
+                </a:tc>
+                <a:extLst>
+                  <a:ext uri="{0D108BD9-81ED-4DB2-BD59-A6C34878D82A}">
+                    <a16:rowId xmlns:a16="http://schemas.microsoft.com/office/drawing/2014/main" val="1213526234"/>
+                  </a:ext>
+                </a:extLst>
+              </a:tr>
+              <a:tr h="237525">
+                <a:tc>
+                  <a:txBody>
+                    <a:bodyPr/>
+                    <a:lstStyle/>
+                    <a:p>
+                      <a:pPr lvl="0"/>
+                      <a:r>
+                        <a:rPr lang="en-US" sz="1200" dirty="0" err="1"/>
+                        <a:t>Jc</a:t>
+                      </a:r>
+                      <a:endParaRPr lang="en-US" sz="1200" dirty="0"/>
+                    </a:p>
+                  </a:txBody>
+                  <a:tcPr marL="58327" marR="58327" marT="29164" marB="29164" anchor="ctr"/>
+                </a:tc>
+                <a:tc>
+                  <a:txBody>
+                    <a:bodyPr/>
+                    <a:lstStyle/>
+                    <a:p>
+                      <a:pPr lvl="0"/>
+                      <a:r>
+                        <a:rPr lang="en-US" sz="1200" dirty="0"/>
+                        <a:t>Project</a:t>
+                      </a:r>
+                    </a:p>
+                  </a:txBody>
+                  <a:tcPr marL="58327" marR="58327" marT="29164" marB="29164" anchor="ctr"/>
+                </a:tc>
+                <a:tc>
+                  <a:txBody>
+                    <a:bodyPr/>
+                    <a:lstStyle/>
+                    <a:p>
+                      <a:pPr lvl="0"/>
+                      <a:r>
+                        <a:rPr lang="en-US" sz="1200" dirty="0"/>
+                        <a:t>Calculates the percentage of classes in the project which have </a:t>
+                      </a:r>
+                      <a:r>
+                        <a:rPr lang="en-US" sz="1200" dirty="0" err="1"/>
+                        <a:t>javadoc</a:t>
+                      </a:r>
+                      <a:r>
+                        <a:rPr lang="en-US" sz="1200" dirty="0"/>
+                        <a:t>.</a:t>
+                      </a:r>
+                    </a:p>
+                  </a:txBody>
+                  <a:tcPr marL="58327" marR="58327" marT="29164" marB="29164" anchor="ctr"/>
+                </a:tc>
+                <a:extLst>
+                  <a:ext uri="{0D108BD9-81ED-4DB2-BD59-A6C34878D82A}">
+                    <a16:rowId xmlns:a16="http://schemas.microsoft.com/office/drawing/2014/main" val="1498743185"/>
+                  </a:ext>
+                </a:extLst>
+              </a:tr>
+              <a:tr h="237525">
+                <a:tc>
+                  <a:txBody>
+                    <a:bodyPr/>
+                    <a:lstStyle/>
+                    <a:p>
+                      <a:pPr lvl="0"/>
+                      <a:r>
+                        <a:rPr lang="en-US" sz="1200" dirty="0"/>
+                        <a:t>NOC</a:t>
+                      </a:r>
+                    </a:p>
+                  </a:txBody>
+                  <a:tcPr marL="58327" marR="58327" marT="29164" marB="29164" anchor="ctr"/>
+                </a:tc>
+                <a:tc>
+                  <a:txBody>
+                    <a:bodyPr/>
+                    <a:lstStyle/>
+                    <a:p>
+                      <a:pPr lvl="0"/>
+                      <a:r>
+                        <a:rPr lang="en-US" sz="1200" dirty="0"/>
+                        <a:t>Class</a:t>
+                      </a:r>
+                    </a:p>
+                  </a:txBody>
+                  <a:tcPr marL="58327" marR="58327" marT="29164" marB="29164" anchor="ctr"/>
+                </a:tc>
+                <a:tc>
+                  <a:txBody>
+                    <a:bodyPr/>
+                    <a:lstStyle/>
+                    <a:p>
+                      <a:pPr lvl="0"/>
+                      <a:r>
+                        <a:rPr lang="en-US" sz="1200" dirty="0"/>
+                        <a:t>Calculates the total number of direct subclasses of each class that occur in the project.</a:t>
+                      </a:r>
+                    </a:p>
+                  </a:txBody>
+                  <a:tcPr marL="58327" marR="58327" marT="29164" marB="29164" anchor="ctr"/>
+                </a:tc>
+                <a:extLst>
+                  <a:ext uri="{0D108BD9-81ED-4DB2-BD59-A6C34878D82A}">
+                    <a16:rowId xmlns:a16="http://schemas.microsoft.com/office/drawing/2014/main" val="3298090489"/>
+                  </a:ext>
+                </a:extLst>
+              </a:tr>
+              <a:tr h="237525">
+                <a:tc>
+                  <a:txBody>
+                    <a:bodyPr/>
+                    <a:lstStyle/>
+                    <a:p>
+                      <a:pPr lvl="0"/>
+                      <a:r>
+                        <a:rPr lang="en-US" sz="1200" dirty="0"/>
+                        <a:t>JTA</a:t>
+                      </a:r>
+                    </a:p>
+                  </a:txBody>
+                  <a:tcPr marL="58327" marR="58327" marT="29164" marB="29164" anchor="ctr"/>
+                </a:tc>
+                <a:tc>
+                  <a:txBody>
+                    <a:bodyPr/>
+                    <a:lstStyle/>
+                    <a:p>
+                      <a:pPr lvl="0"/>
+                      <a:r>
+                        <a:rPr lang="en-US" sz="1200" dirty="0"/>
+                        <a:t>Class</a:t>
+                      </a:r>
+                    </a:p>
+                  </a:txBody>
+                  <a:tcPr marL="58327" marR="58327" marT="29164" marB="29164" anchor="ctr"/>
+                </a:tc>
+                <a:tc>
+                  <a:txBody>
+                    <a:bodyPr/>
+                    <a:lstStyle/>
+                    <a:p>
+                      <a:pPr lvl="0"/>
+                      <a:r>
+                        <a:rPr lang="en-US" sz="1200" dirty="0"/>
+                        <a:t>Number of JUnit test assertions in each class.</a:t>
+                      </a:r>
+                    </a:p>
+                  </a:txBody>
+                  <a:tcPr marL="58327" marR="58327" marT="29164" marB="29164" anchor="ctr"/>
+                </a:tc>
+                <a:extLst>
+                  <a:ext uri="{0D108BD9-81ED-4DB2-BD59-A6C34878D82A}">
+                    <a16:rowId xmlns:a16="http://schemas.microsoft.com/office/drawing/2014/main" val="3918805928"/>
+                  </a:ext>
+                </a:extLst>
+              </a:tr>
+            </a:tbl>
+          </a:graphicData>
+        </a:graphic>
+      </p:graphicFrame>
+    </p:spTree>
+    <p:extLst>
+      <p:ext uri="{BB962C8B-B14F-4D97-AF65-F5344CB8AC3E}">
+        <p14:creationId xmlns:p14="http://schemas.microsoft.com/office/powerpoint/2010/main" val="2915179055"/>
       </p:ext>
     </p:extLst>
   </p:cSld>

--- a/devoir2/WenhaoXU_20150702_ManpingLI_968527/GQM plan.pptx
+++ b/devoir2/WenhaoXU_20150702_ManpingLI_968527/GQM plan.pptx
@@ -4291,7 +4291,7 @@
         <p:spPr>
           <a:xfrm>
             <a:off x="9469081" y="4076681"/>
-            <a:ext cx="1532238" cy="646331"/>
+            <a:ext cx="1532238" cy="923330"/>
           </a:xfrm>
           <a:prstGeom prst="rect">
             <a:avLst/>
@@ -4305,8 +4305,12 @@
           <a:lstStyle/>
           <a:p>
             <a:r>
+              <a:rPr lang="en-US" dirty="0" err="1"/>
+              <a:t>Jm</a:t>
+            </a:r>
+            <a:r>
               <a:rPr lang="en-US" dirty="0"/>
-              <a:t>Javadoc class coverage</a:t>
+              <a:t>: Javadoc method coverage</a:t>
             </a:r>
           </a:p>
         </p:txBody>
@@ -4684,7 +4688,7 @@
           <p:nvPr>
             <p:extLst>
               <p:ext uri="{D42A27DB-BD31-4B8C-83A1-F6EECF244321}">
-                <p14:modId xmlns:p14="http://schemas.microsoft.com/office/powerpoint/2010/main" val="3613022527"/>
+                <p14:modId xmlns:p14="http://schemas.microsoft.com/office/powerpoint/2010/main" val="723735240"/>
               </p:ext>
             </p:extLst>
           </p:nvPr>
@@ -5123,7 +5127,7 @@
                       <a:pPr lvl="0"/>
                       <a:r>
                         <a:rPr lang="en-US" sz="1200" dirty="0" err="1"/>
-                        <a:t>Jc</a:t>
+                        <a:t>Jm</a:t>
                       </a:r>
                       <a:endParaRPr lang="en-US" sz="1200" dirty="0"/>
                     </a:p>
@@ -5138,7 +5142,7 @@
                       <a:pPr lvl="0"/>
                       <a:r>
                         <a:rPr lang="en-US" sz="1200" dirty="0"/>
-                        <a:t>Project</a:t>
+                        <a:t>Class</a:t>
                       </a:r>
                     </a:p>
                   </a:txBody>
@@ -5152,7 +5156,7 @@
                       <a:pPr lvl="0"/>
                       <a:r>
                         <a:rPr lang="en-US" sz="1200" dirty="0"/>
-                        <a:t>Calculates the percentage of classes in the project which have </a:t>
+                        <a:t>Calculates the percentage of methods in each class which have </a:t>
                       </a:r>
                       <a:r>
                         <a:rPr lang="en-US" sz="1200" dirty="0" err="1"/>
